--- a/presentations/session_3/Redis as Elastic Search.pptx
+++ b/presentations/session_3/Redis as Elastic Search.pptx
@@ -7,10 +7,16 @@
   <p:sldIdLst>
     <p:sldId id="256" r:id="rId2"/>
     <p:sldId id="257" r:id="rId3"/>
-    <p:sldId id="258" r:id="rId4"/>
-    <p:sldId id="259" r:id="rId5"/>
-    <p:sldId id="260" r:id="rId6"/>
-    <p:sldId id="261" r:id="rId7"/>
+    <p:sldId id="262" r:id="rId4"/>
+    <p:sldId id="258" r:id="rId5"/>
+    <p:sldId id="259" r:id="rId6"/>
+    <p:sldId id="260" r:id="rId7"/>
+    <p:sldId id="261" r:id="rId8"/>
+    <p:sldId id="263" r:id="rId9"/>
+    <p:sldId id="264" r:id="rId10"/>
+    <p:sldId id="265" r:id="rId11"/>
+    <p:sldId id="266" r:id="rId12"/>
+    <p:sldId id="267" r:id="rId13"/>
   </p:sldIdLst>
   <p:sldSz cx="12192000" cy="6858000"/>
   <p:notesSz cx="6858000" cy="9144000"/>
@@ -109,6 +115,11 @@
       </a:defRPr>
     </a:lvl9pPr>
   </p:defaultTextStyle>
+  <p:extLst>
+    <p:ext uri="{EFAFB233-063F-42B5-8137-9DF3F51BA10A}">
+      <p15:sldGuideLst xmlns:p15="http://schemas.microsoft.com/office/powerpoint/2012/main"/>
+    </p:ext>
+  </p:extLst>
 </p:presentation>
 </file>
 
@@ -263,7 +274,7 @@
           <a:p>
             <a:fld id="{4251A0A7-E5ED-433D-B50C-541014D691AF}" type="datetimeFigureOut">
               <a:rPr lang="en-US" smtClean="0"/>
-              <a:t>2/5/2018</a:t>
+              <a:t>2/6/2018</a:t>
             </a:fld>
             <a:endParaRPr lang="en-US"/>
           </a:p>
@@ -461,7 +472,7 @@
           <a:p>
             <a:fld id="{4251A0A7-E5ED-433D-B50C-541014D691AF}" type="datetimeFigureOut">
               <a:rPr lang="en-US" smtClean="0"/>
-              <a:t>2/5/2018</a:t>
+              <a:t>2/6/2018</a:t>
             </a:fld>
             <a:endParaRPr lang="en-US"/>
           </a:p>
@@ -669,7 +680,7 @@
           <a:p>
             <a:fld id="{4251A0A7-E5ED-433D-B50C-541014D691AF}" type="datetimeFigureOut">
               <a:rPr lang="en-US" smtClean="0"/>
-              <a:t>2/5/2018</a:t>
+              <a:t>2/6/2018</a:t>
             </a:fld>
             <a:endParaRPr lang="en-US"/>
           </a:p>
@@ -867,7 +878,7 @@
           <a:p>
             <a:fld id="{4251A0A7-E5ED-433D-B50C-541014D691AF}" type="datetimeFigureOut">
               <a:rPr lang="en-US" smtClean="0"/>
-              <a:t>2/5/2018</a:t>
+              <a:t>2/6/2018</a:t>
             </a:fld>
             <a:endParaRPr lang="en-US"/>
           </a:p>
@@ -1142,7 +1153,7 @@
           <a:p>
             <a:fld id="{4251A0A7-E5ED-433D-B50C-541014D691AF}" type="datetimeFigureOut">
               <a:rPr lang="en-US" smtClean="0"/>
-              <a:t>2/5/2018</a:t>
+              <a:t>2/6/2018</a:t>
             </a:fld>
             <a:endParaRPr lang="en-US"/>
           </a:p>
@@ -1407,7 +1418,7 @@
           <a:p>
             <a:fld id="{4251A0A7-E5ED-433D-B50C-541014D691AF}" type="datetimeFigureOut">
               <a:rPr lang="en-US" smtClean="0"/>
-              <a:t>2/5/2018</a:t>
+              <a:t>2/6/2018</a:t>
             </a:fld>
             <a:endParaRPr lang="en-US"/>
           </a:p>
@@ -1819,7 +1830,7 @@
           <a:p>
             <a:fld id="{4251A0A7-E5ED-433D-B50C-541014D691AF}" type="datetimeFigureOut">
               <a:rPr lang="en-US" smtClean="0"/>
-              <a:t>2/5/2018</a:t>
+              <a:t>2/6/2018</a:t>
             </a:fld>
             <a:endParaRPr lang="en-US"/>
           </a:p>
@@ -1960,7 +1971,7 @@
           <a:p>
             <a:fld id="{4251A0A7-E5ED-433D-B50C-541014D691AF}" type="datetimeFigureOut">
               <a:rPr lang="en-US" smtClean="0"/>
-              <a:t>2/5/2018</a:t>
+              <a:t>2/6/2018</a:t>
             </a:fld>
             <a:endParaRPr lang="en-US"/>
           </a:p>
@@ -2073,7 +2084,7 @@
           <a:p>
             <a:fld id="{4251A0A7-E5ED-433D-B50C-541014D691AF}" type="datetimeFigureOut">
               <a:rPr lang="en-US" smtClean="0"/>
-              <a:t>2/5/2018</a:t>
+              <a:t>2/6/2018</a:t>
             </a:fld>
             <a:endParaRPr lang="en-US"/>
           </a:p>
@@ -2384,7 +2395,7 @@
           <a:p>
             <a:fld id="{4251A0A7-E5ED-433D-B50C-541014D691AF}" type="datetimeFigureOut">
               <a:rPr lang="en-US" smtClean="0"/>
-              <a:t>2/5/2018</a:t>
+              <a:t>2/6/2018</a:t>
             </a:fld>
             <a:endParaRPr lang="en-US"/>
           </a:p>
@@ -2672,7 +2683,7 @@
           <a:p>
             <a:fld id="{4251A0A7-E5ED-433D-B50C-541014D691AF}" type="datetimeFigureOut">
               <a:rPr lang="en-US" smtClean="0"/>
-              <a:t>2/5/2018</a:t>
+              <a:t>2/6/2018</a:t>
             </a:fld>
             <a:endParaRPr lang="en-US"/>
           </a:p>
@@ -2913,7 +2924,7 @@
           <a:p>
             <a:fld id="{4251A0A7-E5ED-433D-B50C-541014D691AF}" type="datetimeFigureOut">
               <a:rPr lang="en-US" smtClean="0"/>
-              <a:t>2/5/2018</a:t>
+              <a:t>2/6/2018</a:t>
             </a:fld>
             <a:endParaRPr lang="en-US"/>
           </a:p>
@@ -3400,6 +3411,310 @@
 </p:sld>
 </file>
 
+<file path=ppt/slides/slide10.xml><?xml version="1.0" encoding="utf-8"?>
+<p:sld xmlns:a="http://schemas.openxmlformats.org/drawingml/2006/main" xmlns:r="http://schemas.openxmlformats.org/officeDocument/2006/relationships" xmlns:p="http://schemas.openxmlformats.org/presentationml/2006/main">
+  <p:cSld>
+    <p:spTree>
+      <p:nvGrpSpPr>
+        <p:cNvPr id="1" name=""/>
+        <p:cNvGrpSpPr/>
+        <p:nvPr/>
+      </p:nvGrpSpPr>
+      <p:grpSpPr>
+        <a:xfrm>
+          <a:off x="0" y="0"/>
+          <a:ext cx="0" cy="0"/>
+          <a:chOff x="0" y="0"/>
+          <a:chExt cx="0" cy="0"/>
+        </a:xfrm>
+      </p:grpSpPr>
+      <p:sp>
+        <p:nvSpPr>
+          <p:cNvPr id="2" name="Title 1">
+            <a:extLst>
+              <a:ext uri="{FF2B5EF4-FFF2-40B4-BE49-F238E27FC236}">
+                <a16:creationId xmlns:a16="http://schemas.microsoft.com/office/drawing/2014/main" id="{E2EAF30D-02FD-4E4F-A375-2E9469FC3462}"/>
+              </a:ext>
+            </a:extLst>
+          </p:cNvPr>
+          <p:cNvSpPr>
+            <a:spLocks noGrp="1"/>
+          </p:cNvSpPr>
+          <p:nvPr>
+            <p:ph type="title"/>
+          </p:nvPr>
+        </p:nvSpPr>
+        <p:spPr/>
+        <p:txBody>
+          <a:bodyPr/>
+          <a:lstStyle/>
+          <a:p>
+            <a:r>
+              <a:rPr lang="en-US" dirty="0" err="1"/>
+              <a:t>Logstash</a:t>
+            </a:r>
+            <a:r>
+              <a:rPr lang="en-US" dirty="0"/>
+              <a:t> Codecs</a:t>
+            </a:r>
+          </a:p>
+        </p:txBody>
+      </p:sp>
+      <p:sp>
+        <p:nvSpPr>
+          <p:cNvPr id="3" name="Content Placeholder 2">
+            <a:extLst>
+              <a:ext uri="{FF2B5EF4-FFF2-40B4-BE49-F238E27FC236}">
+                <a16:creationId xmlns:a16="http://schemas.microsoft.com/office/drawing/2014/main" id="{EE087CC2-05EC-4269-8218-AEE64C200713}"/>
+              </a:ext>
+            </a:extLst>
+          </p:cNvPr>
+          <p:cNvSpPr>
+            <a:spLocks noGrp="1"/>
+          </p:cNvSpPr>
+          <p:nvPr>
+            <p:ph idx="1"/>
+          </p:nvPr>
+        </p:nvSpPr>
+        <p:spPr/>
+        <p:txBody>
+          <a:bodyPr/>
+          <a:lstStyle/>
+          <a:p>
+            <a:r>
+              <a:rPr lang="en-US" dirty="0"/>
+              <a:t>A codec plugin changes the data representation of an event. Codecs are essentially stream filters that can operate as part of an input or output.</a:t>
+            </a:r>
+          </a:p>
+          <a:p>
+            <a:r>
+              <a:rPr lang="en-US" dirty="0"/>
+              <a:t>Most </a:t>
+            </a:r>
+            <a:r>
+              <a:rPr lang="en-US" dirty="0" err="1"/>
+              <a:t>Logstash</a:t>
+            </a:r>
+            <a:r>
+              <a:rPr lang="en-US" dirty="0"/>
+              <a:t> Codecs can be implemented easily with python packages.</a:t>
+            </a:r>
+          </a:p>
+        </p:txBody>
+      </p:sp>
+    </p:spTree>
+    <p:extLst>
+      <p:ext uri="{BB962C8B-B14F-4D97-AF65-F5344CB8AC3E}">
+        <p14:creationId xmlns:p14="http://schemas.microsoft.com/office/powerpoint/2010/main" val="2081804389"/>
+      </p:ext>
+    </p:extLst>
+  </p:cSld>
+  <p:clrMapOvr>
+    <a:masterClrMapping/>
+  </p:clrMapOvr>
+</p:sld>
+</file>
+
+<file path=ppt/slides/slide11.xml><?xml version="1.0" encoding="utf-8"?>
+<p:sld xmlns:a="http://schemas.openxmlformats.org/drawingml/2006/main" xmlns:r="http://schemas.openxmlformats.org/officeDocument/2006/relationships" xmlns:p="http://schemas.openxmlformats.org/presentationml/2006/main">
+  <p:cSld>
+    <p:spTree>
+      <p:nvGrpSpPr>
+        <p:cNvPr id="1" name=""/>
+        <p:cNvGrpSpPr/>
+        <p:nvPr/>
+      </p:nvGrpSpPr>
+      <p:grpSpPr>
+        <a:xfrm>
+          <a:off x="0" y="0"/>
+          <a:ext cx="0" cy="0"/>
+          <a:chOff x="0" y="0"/>
+          <a:chExt cx="0" cy="0"/>
+        </a:xfrm>
+      </p:grpSpPr>
+      <p:sp>
+        <p:nvSpPr>
+          <p:cNvPr id="2" name="Title 1">
+            <a:extLst>
+              <a:ext uri="{FF2B5EF4-FFF2-40B4-BE49-F238E27FC236}">
+                <a16:creationId xmlns:a16="http://schemas.microsoft.com/office/drawing/2014/main" id="{122C94C1-D6F5-4445-A3B5-B18E60A93407}"/>
+              </a:ext>
+            </a:extLst>
+          </p:cNvPr>
+          <p:cNvSpPr>
+            <a:spLocks noGrp="1"/>
+          </p:cNvSpPr>
+          <p:nvPr>
+            <p:ph type="title"/>
+          </p:nvPr>
+        </p:nvSpPr>
+        <p:spPr/>
+        <p:txBody>
+          <a:bodyPr/>
+          <a:lstStyle/>
+          <a:p>
+            <a:r>
+              <a:rPr lang="en-US" dirty="0" err="1"/>
+              <a:t>Logstash</a:t>
+            </a:r>
+            <a:r>
+              <a:rPr lang="en-US" dirty="0"/>
+              <a:t> Outputs</a:t>
+            </a:r>
+          </a:p>
+        </p:txBody>
+      </p:sp>
+      <p:sp>
+        <p:nvSpPr>
+          <p:cNvPr id="3" name="Content Placeholder 2">
+            <a:extLst>
+              <a:ext uri="{FF2B5EF4-FFF2-40B4-BE49-F238E27FC236}">
+                <a16:creationId xmlns:a16="http://schemas.microsoft.com/office/drawing/2014/main" id="{87DD425D-2582-4D10-8F50-EC5697E49AEB}"/>
+              </a:ext>
+            </a:extLst>
+          </p:cNvPr>
+          <p:cNvSpPr>
+            <a:spLocks noGrp="1"/>
+          </p:cNvSpPr>
+          <p:nvPr>
+            <p:ph idx="1"/>
+          </p:nvPr>
+        </p:nvSpPr>
+        <p:spPr/>
+        <p:txBody>
+          <a:bodyPr/>
+          <a:lstStyle/>
+          <a:p>
+            <a:r>
+              <a:rPr lang="en-US" dirty="0"/>
+              <a:t>In the Nano Data Center Stack there is only one output.</a:t>
+            </a:r>
+          </a:p>
+          <a:p>
+            <a:r>
+              <a:rPr lang="en-US" dirty="0"/>
+              <a:t>The output is writing to a </a:t>
+            </a:r>
+            <a:r>
+              <a:rPr lang="en-US" dirty="0" err="1"/>
+              <a:t>redis</a:t>
+            </a:r>
+            <a:r>
+              <a:rPr lang="en-US" dirty="0"/>
+              <a:t> data base, primarily the text search module.</a:t>
+            </a:r>
+          </a:p>
+        </p:txBody>
+      </p:sp>
+    </p:spTree>
+    <p:extLst>
+      <p:ext uri="{BB962C8B-B14F-4D97-AF65-F5344CB8AC3E}">
+        <p14:creationId xmlns:p14="http://schemas.microsoft.com/office/powerpoint/2010/main" val="2239939513"/>
+      </p:ext>
+    </p:extLst>
+  </p:cSld>
+  <p:clrMapOvr>
+    <a:masterClrMapping/>
+  </p:clrMapOvr>
+</p:sld>
+</file>
+
+<file path=ppt/slides/slide12.xml><?xml version="1.0" encoding="utf-8"?>
+<p:sld xmlns:a="http://schemas.openxmlformats.org/drawingml/2006/main" xmlns:r="http://schemas.openxmlformats.org/officeDocument/2006/relationships" xmlns:p="http://schemas.openxmlformats.org/presentationml/2006/main">
+  <p:cSld>
+    <p:spTree>
+      <p:nvGrpSpPr>
+        <p:cNvPr id="1" name=""/>
+        <p:cNvGrpSpPr/>
+        <p:nvPr/>
+      </p:nvGrpSpPr>
+      <p:grpSpPr>
+        <a:xfrm>
+          <a:off x="0" y="0"/>
+          <a:ext cx="0" cy="0"/>
+          <a:chOff x="0" y="0"/>
+          <a:chExt cx="0" cy="0"/>
+        </a:xfrm>
+      </p:grpSpPr>
+      <p:sp>
+        <p:nvSpPr>
+          <p:cNvPr id="2" name="Title 1">
+            <a:extLst>
+              <a:ext uri="{FF2B5EF4-FFF2-40B4-BE49-F238E27FC236}">
+                <a16:creationId xmlns:a16="http://schemas.microsoft.com/office/drawing/2014/main" id="{03684F78-2B5B-47D8-BCA0-52A76163B389}"/>
+              </a:ext>
+            </a:extLst>
+          </p:cNvPr>
+          <p:cNvSpPr>
+            <a:spLocks noGrp="1"/>
+          </p:cNvSpPr>
+          <p:nvPr>
+            <p:ph type="title"/>
+          </p:nvPr>
+        </p:nvSpPr>
+        <p:spPr/>
+        <p:txBody>
+          <a:bodyPr/>
+          <a:lstStyle/>
+          <a:p>
+            <a:r>
+              <a:rPr lang="en-US" dirty="0"/>
+              <a:t>Part 2 </a:t>
+            </a:r>
+            <a:r>
+              <a:rPr lang="en-US" dirty="0" err="1"/>
+              <a:t>Redis</a:t>
+            </a:r>
+            <a:r>
+              <a:rPr lang="en-US" dirty="0"/>
+              <a:t> Text </a:t>
+            </a:r>
+            <a:r>
+              <a:rPr lang="en-US"/>
+              <a:t>Search Module</a:t>
+            </a:r>
+            <a:endParaRPr lang="en-US" dirty="0"/>
+          </a:p>
+        </p:txBody>
+      </p:sp>
+      <p:sp>
+        <p:nvSpPr>
+          <p:cNvPr id="3" name="Content Placeholder 2">
+            <a:extLst>
+              <a:ext uri="{FF2B5EF4-FFF2-40B4-BE49-F238E27FC236}">
+                <a16:creationId xmlns:a16="http://schemas.microsoft.com/office/drawing/2014/main" id="{24FF274C-CF97-44E8-9737-720DF51B10AB}"/>
+              </a:ext>
+            </a:extLst>
+          </p:cNvPr>
+          <p:cNvSpPr>
+            <a:spLocks noGrp="1"/>
+          </p:cNvSpPr>
+          <p:nvPr>
+            <p:ph idx="1"/>
+          </p:nvPr>
+        </p:nvSpPr>
+        <p:spPr/>
+        <p:txBody>
+          <a:bodyPr/>
+          <a:lstStyle/>
+          <a:p>
+            <a:endParaRPr lang="en-US"/>
+          </a:p>
+        </p:txBody>
+      </p:sp>
+    </p:spTree>
+    <p:extLst>
+      <p:ext uri="{BB962C8B-B14F-4D97-AF65-F5344CB8AC3E}">
+        <p14:creationId xmlns:p14="http://schemas.microsoft.com/office/powerpoint/2010/main" val="1429118076"/>
+      </p:ext>
+    </p:extLst>
+  </p:cSld>
+  <p:clrMapOvr>
+    <a:masterClrMapping/>
+  </p:clrMapOvr>
+</p:sld>
+</file>
+
 <file path=ppt/slides/slide2.xml><?xml version="1.0" encoding="utf-8"?>
 <p:sld xmlns:a="http://schemas.openxmlformats.org/drawingml/2006/main" xmlns:r="http://schemas.openxmlformats.org/officeDocument/2006/relationships" xmlns:p="http://schemas.openxmlformats.org/presentationml/2006/main">
   <p:cSld>
@@ -3532,7 +3847,7 @@
           <p:cNvPr id="2" name="Title 1">
             <a:extLst>
               <a:ext uri="{FF2B5EF4-FFF2-40B4-BE49-F238E27FC236}">
-                <a16:creationId xmlns:a16="http://schemas.microsoft.com/office/drawing/2014/main" id="{2C8D4CCE-9823-41CA-8382-31EAC958947D}"/>
+                <a16:creationId xmlns:a16="http://schemas.microsoft.com/office/drawing/2014/main" id="{803C2A05-B0D3-44A6-A625-A9209514A906}"/>
               </a:ext>
             </a:extLst>
           </p:cNvPr>
@@ -3548,11 +3863,18 @@
           <a:bodyPr/>
           <a:lstStyle/>
           <a:p>
+            <a:r>
+              <a:rPr lang="en-US" dirty="0"/>
+              <a:t>Part 1 </a:t>
+            </a:r>
             <a:r>
               <a:rPr lang="en-US" dirty="0" err="1"/>
               <a:t>Logstash</a:t>
             </a:r>
-            <a:endParaRPr lang="en-US" dirty="0"/>
+            <a:r>
+              <a:rPr lang="en-US" dirty="0"/>
+              <a:t> Role </a:t>
+            </a:r>
           </a:p>
         </p:txBody>
       </p:sp>
@@ -3561,7 +3883,7 @@
           <p:cNvPr id="3" name="Content Placeholder 2">
             <a:extLst>
               <a:ext uri="{FF2B5EF4-FFF2-40B4-BE49-F238E27FC236}">
-                <a16:creationId xmlns:a16="http://schemas.microsoft.com/office/drawing/2014/main" id="{9BBCCC65-8EF3-4323-8C0F-FEF0EE35E662}"/>
+                <a16:creationId xmlns:a16="http://schemas.microsoft.com/office/drawing/2014/main" id="{2BB441E4-87C4-46CC-A789-F1A101FF91DF}"/>
               </a:ext>
             </a:extLst>
           </p:cNvPr>
@@ -3574,109 +3896,82 @@
         </p:nvSpPr>
         <p:spPr/>
         <p:txBody>
-          <a:bodyPr>
-            <a:normAutofit/>
-          </a:bodyPr>
-          <a:lstStyle/>
-          <a:p>
+          <a:bodyPr/>
+          <a:lstStyle/>
+          <a:p>
+            <a:r>
+              <a:rPr lang="en-US" dirty="0"/>
+              <a:t>Elasticsearch or the </a:t>
+            </a:r>
+            <a:r>
+              <a:rPr lang="en-US" dirty="0" err="1"/>
+              <a:t>Redis</a:t>
+            </a:r>
+            <a:r>
+              <a:rPr lang="en-US" dirty="0"/>
+              <a:t> Text Search module requires insertions be as a </a:t>
+            </a:r>
+            <a:r>
+              <a:rPr lang="en-US" dirty="0" err="1"/>
+              <a:t>json</a:t>
+            </a:r>
+            <a:r>
+              <a:rPr lang="en-US" dirty="0"/>
+              <a:t> document ( </a:t>
+            </a:r>
+            <a:r>
+              <a:rPr lang="en-US" dirty="0" err="1"/>
+              <a:t>ie</a:t>
+            </a:r>
+            <a:r>
+              <a:rPr lang="en-US" dirty="0"/>
+              <a:t> document data base format )</a:t>
+            </a:r>
+          </a:p>
+          <a:p>
+            <a:r>
+              <a:rPr lang="en-US" dirty="0"/>
+              <a:t>For </a:t>
+            </a:r>
+            <a:r>
+              <a:rPr lang="en-US" dirty="0" err="1"/>
+              <a:t>Redis</a:t>
+            </a:r>
+            <a:r>
+              <a:rPr lang="en-US" dirty="0"/>
+              <a:t> Text Search module restricts the JSON document to be in the form of a python dictionary.</a:t>
+            </a:r>
+          </a:p>
+          <a:p>
+            <a:r>
+              <a:rPr lang="en-US" dirty="0"/>
+              <a:t>The role of </a:t>
+            </a:r>
             <a:r>
               <a:rPr lang="en-US" dirty="0" err="1"/>
               <a:t>Logstash</a:t>
             </a:r>
             <a:r>
               <a:rPr lang="en-US" dirty="0"/>
-              <a:t> is composed of modules</a:t>
+              <a:t> is to break up chunks of data and convert the data into a JSON format. </a:t>
             </a:r>
           </a:p>
           <a:p>
             <a:pPr lvl="1"/>
             <a:r>
-              <a:rPr lang="en-US" dirty="0" err="1"/>
-              <a:t>Logstash</a:t>
-            </a:r>
-            <a:r>
-              <a:rPr lang="en-US" dirty="0"/>
-              <a:t> schedules execution of modules based upon data flow principles</a:t>
-            </a:r>
-          </a:p>
-          <a:p>
-            <a:pPr lvl="2"/>
-            <a:r>
-              <a:rPr lang="en-US" dirty="0"/>
-              <a:t>Modules generate data</a:t>
-            </a:r>
-          </a:p>
-          <a:p>
-            <a:pPr lvl="2"/>
-            <a:r>
-              <a:rPr lang="en-US" dirty="0"/>
-              <a:t>Modules transform data</a:t>
-            </a:r>
-          </a:p>
-          <a:p>
-            <a:pPr lvl="2"/>
-            <a:r>
-              <a:rPr lang="en-US" dirty="0"/>
-              <a:t>Modules sink data</a:t>
-            </a:r>
-          </a:p>
-          <a:p>
-            <a:pPr lvl="2"/>
-            <a:r>
-              <a:rPr lang="en-US" dirty="0"/>
-              <a:t>Similar to python package </a:t>
-            </a:r>
-            <a:r>
-              <a:rPr lang="en-US" dirty="0" err="1"/>
-              <a:t>streamz</a:t>
-            </a:r>
+              <a:rPr lang="en-US" dirty="0"/>
+              <a:t>Most of this data will be in the form of logs.</a:t>
+            </a:r>
+          </a:p>
+          <a:p>
             <a:endParaRPr lang="en-US" dirty="0"/>
-          </a:p>
-          <a:p>
-            <a:pPr lvl="1"/>
-            <a:r>
-              <a:rPr lang="en-US" dirty="0" err="1"/>
-              <a:t>Logstash</a:t>
-            </a:r>
-            <a:r>
-              <a:rPr lang="en-US" dirty="0"/>
-              <a:t> modules can be categorized by four types</a:t>
-            </a:r>
-          </a:p>
-          <a:p>
-            <a:pPr lvl="2"/>
-            <a:r>
-              <a:rPr lang="en-US" dirty="0"/>
-              <a:t>Input Modules</a:t>
-            </a:r>
-          </a:p>
-          <a:p>
-            <a:pPr lvl="2"/>
-            <a:r>
-              <a:rPr lang="en-US" dirty="0"/>
-              <a:t>Filter Modules</a:t>
-            </a:r>
-          </a:p>
-          <a:p>
-            <a:pPr lvl="2"/>
-            <a:r>
-              <a:rPr lang="en-US" dirty="0"/>
-              <a:t>Output Modules</a:t>
-            </a:r>
-          </a:p>
-          <a:p>
-            <a:pPr lvl="2"/>
-            <a:r>
-              <a:rPr lang="en-US" dirty="0"/>
-              <a:t>Codec Modules</a:t>
-            </a:r>
           </a:p>
         </p:txBody>
       </p:sp>
     </p:spTree>
     <p:extLst>
       <p:ext uri="{BB962C8B-B14F-4D97-AF65-F5344CB8AC3E}">
-        <p14:creationId xmlns:p14="http://schemas.microsoft.com/office/powerpoint/2010/main" val="2543446450"/>
+        <p14:creationId xmlns:p14="http://schemas.microsoft.com/office/powerpoint/2010/main" val="3486650791"/>
       </p:ext>
     </p:extLst>
   </p:cSld>
@@ -3708,7 +4003,7 @@
           <p:cNvPr id="2" name="Title 1">
             <a:extLst>
               <a:ext uri="{FF2B5EF4-FFF2-40B4-BE49-F238E27FC236}">
-                <a16:creationId xmlns:a16="http://schemas.microsoft.com/office/drawing/2014/main" id="{F9FC5B01-DD31-48CE-8B96-4563238DD34C}"/>
+                <a16:creationId xmlns:a16="http://schemas.microsoft.com/office/drawing/2014/main" id="{2C8D4CCE-9823-41CA-8382-31EAC958947D}"/>
               </a:ext>
             </a:extLst>
           </p:cNvPr>
@@ -3728,10 +4023,7 @@
               <a:rPr lang="en-US" dirty="0" err="1"/>
               <a:t>Logstash</a:t>
             </a:r>
-            <a:r>
-              <a:rPr lang="en-US" dirty="0"/>
-              <a:t> Input Modules</a:t>
-            </a:r>
+            <a:endParaRPr lang="en-US" dirty="0"/>
           </a:p>
         </p:txBody>
       </p:sp>
@@ -3740,7 +4032,7 @@
           <p:cNvPr id="3" name="Content Placeholder 2">
             <a:extLst>
               <a:ext uri="{FF2B5EF4-FFF2-40B4-BE49-F238E27FC236}">
-                <a16:creationId xmlns:a16="http://schemas.microsoft.com/office/drawing/2014/main" id="{83560040-A2ED-46A8-8CFB-63E8D15C33FB}"/>
+                <a16:creationId xmlns:a16="http://schemas.microsoft.com/office/drawing/2014/main" id="{9BBCCC65-8EF3-4323-8C0F-FEF0EE35E662}"/>
               </a:ext>
             </a:extLst>
           </p:cNvPr>
@@ -3753,97 +4045,109 @@
         </p:nvSpPr>
         <p:spPr/>
         <p:txBody>
-          <a:bodyPr/>
-          <a:lstStyle/>
-          <a:p>
-            <a:r>
-              <a:rPr lang="en-US" dirty="0"/>
-              <a:t>The relevant modules are</a:t>
+          <a:bodyPr>
+            <a:normAutofit/>
+          </a:bodyPr>
+          <a:lstStyle/>
+          <a:p>
+            <a:r>
+              <a:rPr lang="en-US" dirty="0" err="1"/>
+              <a:t>Logstash</a:t>
+            </a:r>
+            <a:r>
+              <a:rPr lang="en-US" dirty="0"/>
+              <a:t> is composed of modules</a:t>
             </a:r>
           </a:p>
           <a:p>
             <a:pPr lvl="1"/>
             <a:r>
-              <a:rPr lang="en-US" dirty="0"/>
-              <a:t>File  -- read new inputs from a rotation log file</a:t>
-            </a:r>
+              <a:rPr lang="en-US" dirty="0" err="1"/>
+              <a:t>Logstash</a:t>
+            </a:r>
+            <a:r>
+              <a:rPr lang="en-US" dirty="0"/>
+              <a:t> schedules execution of modules based upon data flow principles</a:t>
+            </a:r>
+          </a:p>
+          <a:p>
+            <a:pPr lvl="2"/>
+            <a:r>
+              <a:rPr lang="en-US" dirty="0"/>
+              <a:t>Modules generate data</a:t>
+            </a:r>
+          </a:p>
+          <a:p>
+            <a:pPr lvl="2"/>
+            <a:r>
+              <a:rPr lang="en-US" dirty="0"/>
+              <a:t>Modules transform data</a:t>
+            </a:r>
+          </a:p>
+          <a:p>
+            <a:pPr lvl="2"/>
+            <a:r>
+              <a:rPr lang="en-US" dirty="0"/>
+              <a:t>Modules sink data</a:t>
+            </a:r>
+          </a:p>
+          <a:p>
+            <a:pPr lvl="2"/>
+            <a:r>
+              <a:rPr lang="en-US" dirty="0"/>
+              <a:t>Similar to python package </a:t>
+            </a:r>
+            <a:r>
+              <a:rPr lang="en-US" dirty="0" err="1"/>
+              <a:t>streamz</a:t>
+            </a:r>
+            <a:endParaRPr lang="en-US" dirty="0"/>
           </a:p>
           <a:p>
             <a:pPr lvl="1"/>
             <a:r>
               <a:rPr lang="en-US" dirty="0" err="1"/>
-              <a:t>Redis</a:t>
-            </a:r>
-            <a:r>
-              <a:rPr lang="en-US" dirty="0"/>
-              <a:t>  -- reads input from a </a:t>
-            </a:r>
-            <a:r>
-              <a:rPr lang="en-US" dirty="0" err="1"/>
-              <a:t>redis</a:t>
-            </a:r>
-            <a:r>
-              <a:rPr lang="en-US" dirty="0"/>
-              <a:t> data base</a:t>
+              <a:t>Logstash</a:t>
+            </a:r>
+            <a:r>
+              <a:rPr lang="en-US" dirty="0"/>
+              <a:t> modules can be categorized by four types</a:t>
             </a:r>
           </a:p>
           <a:p>
             <a:pPr lvl="2"/>
             <a:r>
               <a:rPr lang="en-US" dirty="0"/>
-              <a:t>Covered this in </a:t>
-            </a:r>
-            <a:r>
-              <a:rPr lang="en-US" dirty="0" err="1"/>
-              <a:t>redis</a:t>
-            </a:r>
-            <a:r>
-              <a:rPr lang="en-US" dirty="0"/>
-              <a:t> core presentation</a:t>
-            </a:r>
-          </a:p>
-          <a:p>
-            <a:pPr lvl="1"/>
-            <a:r>
-              <a:rPr lang="en-US" dirty="0"/>
-              <a:t>Syslog  -- read data from a syslog source</a:t>
+              <a:t>Input Modules</a:t>
             </a:r>
           </a:p>
           <a:p>
             <a:pPr lvl="2"/>
             <a:r>
               <a:rPr lang="en-US" dirty="0"/>
-              <a:t>Python project shows an adaptor to read syslog UDP events</a:t>
+              <a:t>Filter Modules</a:t>
             </a:r>
           </a:p>
           <a:p>
             <a:pPr lvl="2"/>
             <a:r>
-              <a:rPr lang="en-US" dirty="0">
-                <a:hlinkClick r:id="rId2"/>
-              </a:rPr>
-              <a:t>https://gist.github.com/marcelom/4218010</a:t>
-            </a:r>
-            <a:endParaRPr lang="en-US" dirty="0"/>
-          </a:p>
-          <a:p>
-            <a:r>
-              <a:rPr lang="en-US" dirty="0"/>
-              <a:t>File Module will be the one we cover in this section</a:t>
-            </a:r>
-          </a:p>
-          <a:p>
-            <a:pPr marL="457200" lvl="1" indent="0">
-              <a:buNone/>
-            </a:pPr>
-            <a:endParaRPr lang="en-US" dirty="0"/>
+              <a:rPr lang="en-US" dirty="0"/>
+              <a:t>Output Modules</a:t>
+            </a:r>
+          </a:p>
+          <a:p>
+            <a:pPr lvl="2"/>
+            <a:r>
+              <a:rPr lang="en-US" dirty="0"/>
+              <a:t>Codec Modules</a:t>
+            </a:r>
           </a:p>
         </p:txBody>
       </p:sp>
     </p:spTree>
     <p:extLst>
       <p:ext uri="{BB962C8B-B14F-4D97-AF65-F5344CB8AC3E}">
-        <p14:creationId xmlns:p14="http://schemas.microsoft.com/office/powerpoint/2010/main" val="4056165702"/>
+        <p14:creationId xmlns:p14="http://schemas.microsoft.com/office/powerpoint/2010/main" val="2543446450"/>
       </p:ext>
     </p:extLst>
   </p:cSld>
@@ -3875,7 +4179,7 @@
           <p:cNvPr id="2" name="Title 1">
             <a:extLst>
               <a:ext uri="{FF2B5EF4-FFF2-40B4-BE49-F238E27FC236}">
-                <a16:creationId xmlns:a16="http://schemas.microsoft.com/office/drawing/2014/main" id="{DB97584C-97C9-480A-8E7B-0E6D16137C70}"/>
+                <a16:creationId xmlns:a16="http://schemas.microsoft.com/office/drawing/2014/main" id="{F9FC5B01-DD31-48CE-8B96-4563238DD34C}"/>
               </a:ext>
             </a:extLst>
           </p:cNvPr>
@@ -3892,8 +4196,12 @@
           <a:lstStyle/>
           <a:p>
             <a:r>
-              <a:rPr lang="en-US" dirty="0"/>
-              <a:t>File Module</a:t>
+              <a:rPr lang="en-US" dirty="0" err="1"/>
+              <a:t>Logstash</a:t>
+            </a:r>
+            <a:r>
+              <a:rPr lang="en-US" dirty="0"/>
+              <a:t> Input Modules</a:t>
             </a:r>
           </a:p>
         </p:txBody>
@@ -3903,7 +4211,7 @@
           <p:cNvPr id="3" name="Content Placeholder 2">
             <a:extLst>
               <a:ext uri="{FF2B5EF4-FFF2-40B4-BE49-F238E27FC236}">
-                <a16:creationId xmlns:a16="http://schemas.microsoft.com/office/drawing/2014/main" id="{A8EDFC33-9D3B-4CBA-A668-35AA310A6B7B}"/>
+                <a16:creationId xmlns:a16="http://schemas.microsoft.com/office/drawing/2014/main" id="{83560040-A2ED-46A8-8CFB-63E8D15C33FB}"/>
               </a:ext>
             </a:extLst>
           </p:cNvPr>
@@ -3921,43 +4229,92 @@
           <a:p>
             <a:r>
               <a:rPr lang="en-US" dirty="0"/>
-              <a:t>The file module uses the python file tell method.  </a:t>
+              <a:t>The relevant modules are</a:t>
             </a:r>
           </a:p>
           <a:p>
             <a:pPr lvl="1"/>
             <a:r>
               <a:rPr lang="en-US" dirty="0"/>
-              <a:t>The tell method records the position of the file, from the beginning.</a:t>
+              <a:t>File  -- read new inputs from a rotation log file</a:t>
             </a:r>
           </a:p>
           <a:p>
             <a:pPr lvl="1"/>
             <a:r>
-              <a:rPr lang="en-US" dirty="0"/>
-              <a:t>The last tell position is stored in a data base location.</a:t>
+              <a:rPr lang="en-US" dirty="0" err="1"/>
+              <a:t>Redis</a:t>
+            </a:r>
+            <a:r>
+              <a:rPr lang="en-US" dirty="0"/>
+              <a:t>  -- reads input from a </a:t>
+            </a:r>
+            <a:r>
+              <a:rPr lang="en-US" dirty="0" err="1"/>
+              <a:t>redis</a:t>
+            </a:r>
+            <a:r>
+              <a:rPr lang="en-US" dirty="0"/>
+              <a:t> data base</a:t>
+            </a:r>
+          </a:p>
+          <a:p>
+            <a:pPr lvl="2"/>
+            <a:r>
+              <a:rPr lang="en-US" dirty="0"/>
+              <a:t>Covered this in </a:t>
+            </a:r>
+            <a:r>
+              <a:rPr lang="en-US" dirty="0" err="1"/>
+              <a:t>redis</a:t>
+            </a:r>
+            <a:r>
+              <a:rPr lang="en-US" dirty="0"/>
+              <a:t> core presentation</a:t>
             </a:r>
           </a:p>
           <a:p>
             <a:pPr lvl="1"/>
             <a:r>
               <a:rPr lang="en-US" dirty="0"/>
-              <a:t>When a log file is checked and the length of the file is shorter than the tell position, then the log has rotated. The tell position is set to zero.</a:t>
-            </a:r>
-          </a:p>
-          <a:p>
-            <a:pPr lvl="1"/>
-            <a:r>
-              <a:rPr lang="en-US" dirty="0"/>
-              <a:t>From the position of the tell to last valid line in the file, the file is processed one logical line at a time.</a:t>
-            </a:r>
+              <a:t>Syslog  -- read data from a syslog source</a:t>
+            </a:r>
+          </a:p>
+          <a:p>
+            <a:pPr lvl="2"/>
+            <a:r>
+              <a:rPr lang="en-US" dirty="0"/>
+              <a:t>Python project shows an adaptor to read syslog UDP events</a:t>
+            </a:r>
+          </a:p>
+          <a:p>
+            <a:pPr lvl="2"/>
+            <a:r>
+              <a:rPr lang="en-US" dirty="0">
+                <a:hlinkClick r:id="rId2"/>
+              </a:rPr>
+              <a:t>https://gist.github.com/marcelom/4218010</a:t>
+            </a:r>
+            <a:endParaRPr lang="en-US" dirty="0"/>
+          </a:p>
+          <a:p>
+            <a:r>
+              <a:rPr lang="en-US" dirty="0"/>
+              <a:t>File Module will be the one we cover in this section</a:t>
+            </a:r>
+          </a:p>
+          <a:p>
+            <a:pPr marL="457200" lvl="1" indent="0">
+              <a:buNone/>
+            </a:pPr>
+            <a:endParaRPr lang="en-US" dirty="0"/>
           </a:p>
         </p:txBody>
       </p:sp>
     </p:spTree>
     <p:extLst>
       <p:ext uri="{BB962C8B-B14F-4D97-AF65-F5344CB8AC3E}">
-        <p14:creationId xmlns:p14="http://schemas.microsoft.com/office/powerpoint/2010/main" val="601092282"/>
+        <p14:creationId xmlns:p14="http://schemas.microsoft.com/office/powerpoint/2010/main" val="4056165702"/>
       </p:ext>
     </p:extLst>
   </p:cSld>
@@ -3989,6 +4346,120 @@
           <p:cNvPr id="2" name="Title 1">
             <a:extLst>
               <a:ext uri="{FF2B5EF4-FFF2-40B4-BE49-F238E27FC236}">
+                <a16:creationId xmlns:a16="http://schemas.microsoft.com/office/drawing/2014/main" id="{DB97584C-97C9-480A-8E7B-0E6D16137C70}"/>
+              </a:ext>
+            </a:extLst>
+          </p:cNvPr>
+          <p:cNvSpPr>
+            <a:spLocks noGrp="1"/>
+          </p:cNvSpPr>
+          <p:nvPr>
+            <p:ph type="title"/>
+          </p:nvPr>
+        </p:nvSpPr>
+        <p:spPr/>
+        <p:txBody>
+          <a:bodyPr/>
+          <a:lstStyle/>
+          <a:p>
+            <a:r>
+              <a:rPr lang="en-US" dirty="0"/>
+              <a:t>File Module</a:t>
+            </a:r>
+          </a:p>
+        </p:txBody>
+      </p:sp>
+      <p:sp>
+        <p:nvSpPr>
+          <p:cNvPr id="3" name="Content Placeholder 2">
+            <a:extLst>
+              <a:ext uri="{FF2B5EF4-FFF2-40B4-BE49-F238E27FC236}">
+                <a16:creationId xmlns:a16="http://schemas.microsoft.com/office/drawing/2014/main" id="{A8EDFC33-9D3B-4CBA-A668-35AA310A6B7B}"/>
+              </a:ext>
+            </a:extLst>
+          </p:cNvPr>
+          <p:cNvSpPr>
+            <a:spLocks noGrp="1"/>
+          </p:cNvSpPr>
+          <p:nvPr>
+            <p:ph idx="1"/>
+          </p:nvPr>
+        </p:nvSpPr>
+        <p:spPr/>
+        <p:txBody>
+          <a:bodyPr/>
+          <a:lstStyle/>
+          <a:p>
+            <a:r>
+              <a:rPr lang="en-US" dirty="0"/>
+              <a:t>The file module uses the python file tell method.  </a:t>
+            </a:r>
+          </a:p>
+          <a:p>
+            <a:pPr lvl="1"/>
+            <a:r>
+              <a:rPr lang="en-US" dirty="0"/>
+              <a:t>The tell method records the position of the file, from the beginning.</a:t>
+            </a:r>
+          </a:p>
+          <a:p>
+            <a:pPr lvl="1"/>
+            <a:r>
+              <a:rPr lang="en-US" dirty="0"/>
+              <a:t>The last tell position is stored in a data base location.</a:t>
+            </a:r>
+          </a:p>
+          <a:p>
+            <a:pPr lvl="1"/>
+            <a:r>
+              <a:rPr lang="en-US" dirty="0"/>
+              <a:t>When a log file is checked and the length of the file is shorter than the tell position, then the log has rotated. The tell position is set to zero.</a:t>
+            </a:r>
+          </a:p>
+          <a:p>
+            <a:pPr lvl="1"/>
+            <a:r>
+              <a:rPr lang="en-US" dirty="0"/>
+              <a:t>From the position of the tell to last valid line in the file, the file is processed one logical line at a time.</a:t>
+            </a:r>
+          </a:p>
+        </p:txBody>
+      </p:sp>
+    </p:spTree>
+    <p:extLst>
+      <p:ext uri="{BB962C8B-B14F-4D97-AF65-F5344CB8AC3E}">
+        <p14:creationId xmlns:p14="http://schemas.microsoft.com/office/powerpoint/2010/main" val="601092282"/>
+      </p:ext>
+    </p:extLst>
+  </p:cSld>
+  <p:clrMapOvr>
+    <a:masterClrMapping/>
+  </p:clrMapOvr>
+</p:sld>
+</file>
+
+<file path=ppt/slides/slide7.xml><?xml version="1.0" encoding="utf-8"?>
+<p:sld xmlns:a="http://schemas.openxmlformats.org/drawingml/2006/main" xmlns:r="http://schemas.openxmlformats.org/officeDocument/2006/relationships" xmlns:p="http://schemas.openxmlformats.org/presentationml/2006/main">
+  <p:cSld>
+    <p:spTree>
+      <p:nvGrpSpPr>
+        <p:cNvPr id="1" name=""/>
+        <p:cNvGrpSpPr/>
+        <p:nvPr/>
+      </p:nvGrpSpPr>
+      <p:grpSpPr>
+        <a:xfrm>
+          <a:off x="0" y="0"/>
+          <a:ext cx="0" cy="0"/>
+          <a:chOff x="0" y="0"/>
+          <a:chExt cx="0" cy="0"/>
+        </a:xfrm>
+      </p:grpSpPr>
+      <p:sp>
+        <p:nvSpPr>
+          <p:cNvPr id="2" name="Title 1">
+            <a:extLst>
+              <a:ext uri="{FF2B5EF4-FFF2-40B4-BE49-F238E27FC236}">
                 <a16:creationId xmlns:a16="http://schemas.microsoft.com/office/drawing/2014/main" id="{59D2ED47-CDC2-4E61-B5C4-CB8954A107F4}"/>
               </a:ext>
             </a:extLst>
@@ -4037,7 +4508,93 @@
           <a:bodyPr/>
           <a:lstStyle/>
           <a:p>
-            <a:endParaRPr lang="en-US"/>
+            <a:r>
+              <a:rPr lang="en-US" dirty="0" err="1"/>
+              <a:t>Logstash</a:t>
+            </a:r>
+            <a:r>
+              <a:rPr lang="en-US" dirty="0"/>
+              <a:t> Filters that data and transform the data.  Among some of the </a:t>
+            </a:r>
+            <a:r>
+              <a:rPr lang="en-US" dirty="0" err="1"/>
+              <a:t>Logstash</a:t>
+            </a:r>
+            <a:r>
+              <a:rPr lang="en-US" dirty="0"/>
+              <a:t> Filters are things like</a:t>
+            </a:r>
+          </a:p>
+          <a:p>
+            <a:pPr lvl="1"/>
+            <a:r>
+              <a:rPr lang="en-US" dirty="0"/>
+              <a:t>Take </a:t>
+            </a:r>
+            <a:r>
+              <a:rPr lang="en-US" dirty="0" err="1"/>
+              <a:t>json</a:t>
+            </a:r>
+            <a:r>
+              <a:rPr lang="en-US" dirty="0"/>
+              <a:t> string and generate </a:t>
+            </a:r>
+            <a:r>
+              <a:rPr lang="en-US" dirty="0" err="1"/>
+              <a:t>json</a:t>
+            </a:r>
+            <a:r>
+              <a:rPr lang="en-US" dirty="0"/>
+              <a:t> object</a:t>
+            </a:r>
+          </a:p>
+          <a:p>
+            <a:pPr lvl="1"/>
+            <a:r>
+              <a:rPr lang="en-US" dirty="0"/>
+              <a:t>Take </a:t>
+            </a:r>
+            <a:r>
+              <a:rPr lang="en-US" dirty="0" err="1"/>
+              <a:t>json</a:t>
+            </a:r>
+            <a:r>
+              <a:rPr lang="en-US" dirty="0"/>
+              <a:t> object and generate </a:t>
+            </a:r>
+            <a:r>
+              <a:rPr lang="en-US" dirty="0" err="1"/>
+              <a:t>json</a:t>
+            </a:r>
+            <a:r>
+              <a:rPr lang="en-US" dirty="0"/>
+              <a:t> string</a:t>
+            </a:r>
+          </a:p>
+          <a:p>
+            <a:r>
+              <a:rPr lang="en-US" dirty="0"/>
+              <a:t>One of the most interesting examples is the grok module.</a:t>
+            </a:r>
+          </a:p>
+          <a:p>
+            <a:pPr lvl="1"/>
+            <a:r>
+              <a:rPr lang="en-US" dirty="0"/>
+              <a:t>The grok module takes a string and uses regular expressions to  generate dictionary objects</a:t>
+            </a:r>
+          </a:p>
+          <a:p>
+            <a:pPr lvl="1"/>
+            <a:r>
+              <a:rPr lang="en-US" dirty="0"/>
+              <a:t>Python has a similar module called </a:t>
+            </a:r>
+            <a:r>
+              <a:rPr lang="en-US" dirty="0" err="1"/>
+              <a:t>pygrok</a:t>
+            </a:r>
+            <a:endParaRPr lang="en-US" dirty="0"/>
           </a:p>
         </p:txBody>
       </p:sp>
@@ -4045,6 +4602,364 @@
     <p:extLst>
       <p:ext uri="{BB962C8B-B14F-4D97-AF65-F5344CB8AC3E}">
         <p14:creationId xmlns:p14="http://schemas.microsoft.com/office/powerpoint/2010/main" val="914762251"/>
+      </p:ext>
+    </p:extLst>
+  </p:cSld>
+  <p:clrMapOvr>
+    <a:masterClrMapping/>
+  </p:clrMapOvr>
+</p:sld>
+</file>
+
+<file path=ppt/slides/slide8.xml><?xml version="1.0" encoding="utf-8"?>
+<p:sld xmlns:a="http://schemas.openxmlformats.org/drawingml/2006/main" xmlns:r="http://schemas.openxmlformats.org/officeDocument/2006/relationships" xmlns:p="http://schemas.openxmlformats.org/presentationml/2006/main">
+  <p:cSld>
+    <p:spTree>
+      <p:nvGrpSpPr>
+        <p:cNvPr id="1" name=""/>
+        <p:cNvGrpSpPr/>
+        <p:nvPr/>
+      </p:nvGrpSpPr>
+      <p:grpSpPr>
+        <a:xfrm>
+          <a:off x="0" y="0"/>
+          <a:ext cx="0" cy="0"/>
+          <a:chOff x="0" y="0"/>
+          <a:chExt cx="0" cy="0"/>
+        </a:xfrm>
+      </p:grpSpPr>
+      <p:sp>
+        <p:nvSpPr>
+          <p:cNvPr id="2" name="Title 1">
+            <a:extLst>
+              <a:ext uri="{FF2B5EF4-FFF2-40B4-BE49-F238E27FC236}">
+                <a16:creationId xmlns:a16="http://schemas.microsoft.com/office/drawing/2014/main" id="{D05CD47D-1E13-4360-AEBE-220F6276D733}"/>
+              </a:ext>
+            </a:extLst>
+          </p:cNvPr>
+          <p:cNvSpPr>
+            <a:spLocks noGrp="1"/>
+          </p:cNvSpPr>
+          <p:nvPr>
+            <p:ph type="title"/>
+          </p:nvPr>
+        </p:nvSpPr>
+        <p:spPr/>
+        <p:txBody>
+          <a:bodyPr/>
+          <a:lstStyle/>
+          <a:p>
+            <a:r>
+              <a:rPr lang="en-US" dirty="0"/>
+              <a:t>Python </a:t>
+            </a:r>
+            <a:r>
+              <a:rPr lang="en-US" dirty="0" err="1"/>
+              <a:t>pygrok</a:t>
+            </a:r>
+            <a:r>
+              <a:rPr lang="en-US" dirty="0"/>
+              <a:t> examples</a:t>
+            </a:r>
+          </a:p>
+        </p:txBody>
+      </p:sp>
+      <p:sp>
+        <p:nvSpPr>
+          <p:cNvPr id="3" name="Content Placeholder 2">
+            <a:extLst>
+              <a:ext uri="{FF2B5EF4-FFF2-40B4-BE49-F238E27FC236}">
+                <a16:creationId xmlns:a16="http://schemas.microsoft.com/office/drawing/2014/main" id="{FF035118-D140-4BC8-BAAC-C899AEB26224}"/>
+              </a:ext>
+            </a:extLst>
+          </p:cNvPr>
+          <p:cNvSpPr>
+            <a:spLocks noGrp="1"/>
+          </p:cNvSpPr>
+          <p:nvPr>
+            <p:ph idx="1"/>
+          </p:nvPr>
+        </p:nvSpPr>
+        <p:spPr/>
+        <p:txBody>
+          <a:bodyPr/>
+          <a:lstStyle/>
+          <a:p>
+            <a:r>
+              <a:rPr lang="en-US" dirty="0"/>
+              <a:t>To install </a:t>
+            </a:r>
+            <a:r>
+              <a:rPr lang="en-US" dirty="0" err="1"/>
+              <a:t>pygrok</a:t>
+            </a:r>
+            <a:endParaRPr lang="en-US" dirty="0"/>
+          </a:p>
+          <a:p>
+            <a:pPr lvl="1"/>
+            <a:r>
+              <a:rPr lang="en-US" dirty="0" err="1"/>
+              <a:t>sudo</a:t>
+            </a:r>
+            <a:r>
+              <a:rPr lang="en-US" dirty="0"/>
+              <a:t> pip3 install </a:t>
+            </a:r>
+            <a:r>
+              <a:rPr lang="en-US" dirty="0" err="1"/>
+              <a:t>pygrok</a:t>
+            </a:r>
+            <a:endParaRPr lang="en-US" dirty="0"/>
+          </a:p>
+          <a:p>
+            <a:pPr lvl="1"/>
+            <a:r>
+              <a:rPr lang="en-US" dirty="0"/>
+              <a:t>The grok patterns are located here</a:t>
+            </a:r>
+          </a:p>
+          <a:p>
+            <a:pPr lvl="2"/>
+            <a:r>
+              <a:rPr lang="en-US" dirty="0">
+                <a:hlinkClick r:id="rId2"/>
+              </a:rPr>
+              <a:t>https://github.com/garyelephant/pygrok/tree/master/pygrok/patterns</a:t>
+            </a:r>
+            <a:endParaRPr lang="en-US" dirty="0"/>
+          </a:p>
+          <a:p>
+            <a:pPr lvl="1"/>
+            <a:r>
+              <a:rPr lang="en-US" dirty="0"/>
+              <a:t>The basic types are located here</a:t>
+            </a:r>
+          </a:p>
+          <a:p>
+            <a:pPr lvl="2"/>
+            <a:r>
+              <a:rPr lang="en-US" dirty="0">
+                <a:hlinkClick r:id="rId3"/>
+              </a:rPr>
+              <a:t>https://github.com/garyelephant/pygrok/blob/master/pygrok/patterns/grok-patterns</a:t>
+            </a:r>
+            <a:endParaRPr lang="en-US" dirty="0"/>
+          </a:p>
+          <a:p>
+            <a:pPr lvl="1"/>
+            <a:r>
+              <a:rPr lang="en-US" dirty="0"/>
+              <a:t>Examples are shown on the following pages</a:t>
+            </a:r>
+          </a:p>
+        </p:txBody>
+      </p:sp>
+    </p:spTree>
+    <p:extLst>
+      <p:ext uri="{BB962C8B-B14F-4D97-AF65-F5344CB8AC3E}">
+        <p14:creationId xmlns:p14="http://schemas.microsoft.com/office/powerpoint/2010/main" val="822741610"/>
+      </p:ext>
+    </p:extLst>
+  </p:cSld>
+  <p:clrMapOvr>
+    <a:masterClrMapping/>
+  </p:clrMapOvr>
+</p:sld>
+</file>
+
+<file path=ppt/slides/slide9.xml><?xml version="1.0" encoding="utf-8"?>
+<p:sld xmlns:a="http://schemas.openxmlformats.org/drawingml/2006/main" xmlns:r="http://schemas.openxmlformats.org/officeDocument/2006/relationships" xmlns:p="http://schemas.openxmlformats.org/presentationml/2006/main">
+  <p:cSld>
+    <p:spTree>
+      <p:nvGrpSpPr>
+        <p:cNvPr id="1" name=""/>
+        <p:cNvGrpSpPr/>
+        <p:nvPr/>
+      </p:nvGrpSpPr>
+      <p:grpSpPr>
+        <a:xfrm>
+          <a:off x="0" y="0"/>
+          <a:ext cx="0" cy="0"/>
+          <a:chOff x="0" y="0"/>
+          <a:chExt cx="0" cy="0"/>
+        </a:xfrm>
+      </p:grpSpPr>
+      <p:sp>
+        <p:nvSpPr>
+          <p:cNvPr id="2" name="Title 1">
+            <a:extLst>
+              <a:ext uri="{FF2B5EF4-FFF2-40B4-BE49-F238E27FC236}">
+                <a16:creationId xmlns:a16="http://schemas.microsoft.com/office/drawing/2014/main" id="{89757A6A-E985-4A02-AA0D-4FE4D707A1B2}"/>
+              </a:ext>
+            </a:extLst>
+          </p:cNvPr>
+          <p:cNvSpPr>
+            <a:spLocks noGrp="1"/>
+          </p:cNvSpPr>
+          <p:nvPr>
+            <p:ph type="title"/>
+          </p:nvPr>
+        </p:nvSpPr>
+        <p:spPr/>
+        <p:txBody>
+          <a:bodyPr/>
+          <a:lstStyle/>
+          <a:p>
+            <a:r>
+              <a:rPr lang="en-US" dirty="0"/>
+              <a:t>A simple </a:t>
+            </a:r>
+            <a:r>
+              <a:rPr lang="en-US" dirty="0" err="1"/>
+              <a:t>pygrok</a:t>
+            </a:r>
+            <a:r>
+              <a:rPr lang="en-US" dirty="0"/>
+              <a:t> example</a:t>
+            </a:r>
+          </a:p>
+        </p:txBody>
+      </p:sp>
+      <p:sp>
+        <p:nvSpPr>
+          <p:cNvPr id="3" name="Content Placeholder 2">
+            <a:extLst>
+              <a:ext uri="{FF2B5EF4-FFF2-40B4-BE49-F238E27FC236}">
+                <a16:creationId xmlns:a16="http://schemas.microsoft.com/office/drawing/2014/main" id="{C79C57A9-47EB-4A51-993E-7B5595692754}"/>
+              </a:ext>
+            </a:extLst>
+          </p:cNvPr>
+          <p:cNvSpPr>
+            <a:spLocks noGrp="1"/>
+          </p:cNvSpPr>
+          <p:nvPr>
+            <p:ph idx="1"/>
+          </p:nvPr>
+        </p:nvSpPr>
+        <p:spPr/>
+        <p:txBody>
+          <a:bodyPr>
+            <a:normAutofit fontScale="92500" lnSpcReduction="10000"/>
+          </a:bodyPr>
+          <a:lstStyle/>
+          <a:p>
+            <a:r>
+              <a:rPr lang="en-US" dirty="0"/>
+              <a:t>from </a:t>
+            </a:r>
+            <a:r>
+              <a:rPr lang="en-US" dirty="0" err="1"/>
+              <a:t>pygrok</a:t>
+            </a:r>
+            <a:r>
+              <a:rPr lang="en-US" dirty="0"/>
+              <a:t> import Grok</a:t>
+            </a:r>
+          </a:p>
+          <a:p>
+            <a:r>
+              <a:rPr lang="en-US" dirty="0"/>
+              <a:t>text = "Tue  6 Feb 14:46:16 PST 2018“</a:t>
+            </a:r>
+          </a:p>
+          <a:p>
+            <a:r>
+              <a:rPr lang="en-US" dirty="0"/>
+              <a:t>pattern ='%{GREEDYDATA}%{</a:t>
+            </a:r>
+            <a:r>
+              <a:rPr lang="en-US" dirty="0" err="1"/>
+              <a:t>TIME:time</a:t>
+            </a:r>
+            <a:r>
+              <a:rPr lang="en-US" dirty="0"/>
+              <a:t>}'</a:t>
+            </a:r>
+          </a:p>
+          <a:p>
+            <a:r>
+              <a:rPr lang="en-US" dirty="0"/>
+              <a:t>grok = Grok(pattern)</a:t>
+            </a:r>
+          </a:p>
+          <a:p>
+            <a:r>
+              <a:rPr lang="en-US" dirty="0"/>
+              <a:t> print(</a:t>
+            </a:r>
+            <a:r>
+              <a:rPr lang="en-US" dirty="0" err="1"/>
+              <a:t>grok.match</a:t>
+            </a:r>
+            <a:r>
+              <a:rPr lang="en-US" dirty="0"/>
+              <a:t>(text))</a:t>
+            </a:r>
+          </a:p>
+          <a:p>
+            <a:pPr lvl="1"/>
+            <a:r>
+              <a:rPr lang="en-US" dirty="0"/>
+              <a:t>{'time': '4:46:16’}</a:t>
+            </a:r>
+          </a:p>
+          <a:p>
+            <a:r>
+              <a:rPr lang="en-US" dirty="0"/>
+              <a:t> pattern = '%{</a:t>
+            </a:r>
+            <a:r>
+              <a:rPr lang="en-US" dirty="0" err="1"/>
+              <a:t>WORD:wday</a:t>
+            </a:r>
+            <a:r>
+              <a:rPr lang="en-US" dirty="0"/>
+              <a:t>}%{GREEDYDATA}PST%{GREEDYDATA}%{</a:t>
+            </a:r>
+            <a:r>
+              <a:rPr lang="en-US" dirty="0" err="1"/>
+              <a:t>WORD:year</a:t>
+            </a:r>
+            <a:r>
+              <a:rPr lang="en-US" dirty="0"/>
+              <a:t>}'</a:t>
+            </a:r>
+          </a:p>
+          <a:p>
+            <a:r>
+              <a:rPr lang="en-US" dirty="0"/>
+              <a:t>print(</a:t>
+            </a:r>
+            <a:r>
+              <a:rPr lang="en-US" dirty="0" err="1"/>
+              <a:t>grok.match</a:t>
+            </a:r>
+            <a:r>
+              <a:rPr lang="en-US" dirty="0"/>
+              <a:t>(text))</a:t>
+            </a:r>
+          </a:p>
+          <a:p>
+            <a:pPr lvl="1"/>
+            <a:r>
+              <a:rPr lang="en-US" dirty="0"/>
+              <a:t>{'</a:t>
+            </a:r>
+            <a:r>
+              <a:rPr lang="en-US" dirty="0" err="1"/>
+              <a:t>wday</a:t>
+            </a:r>
+            <a:r>
+              <a:rPr lang="en-US" dirty="0"/>
+              <a:t>': 'Tue', ‘year': '2018'}</a:t>
+            </a:r>
+          </a:p>
+        </p:txBody>
+      </p:sp>
+    </p:spTree>
+    <p:extLst>
+      <p:ext uri="{BB962C8B-B14F-4D97-AF65-F5344CB8AC3E}">
+        <p14:creationId xmlns:p14="http://schemas.microsoft.com/office/powerpoint/2010/main" val="1364201778"/>
       </p:ext>
     </p:extLst>
   </p:cSld>

--- a/presentations/session_3/Redis as Elastic Search.pptx
+++ b/presentations/session_3/Redis as Elastic Search.pptx
@@ -17,6 +17,11 @@
     <p:sldId id="265" r:id="rId11"/>
     <p:sldId id="266" r:id="rId12"/>
     <p:sldId id="267" r:id="rId13"/>
+    <p:sldId id="275" r:id="rId14"/>
+    <p:sldId id="271" r:id="rId15"/>
+    <p:sldId id="272" r:id="rId16"/>
+    <p:sldId id="273" r:id="rId17"/>
+    <p:sldId id="274" r:id="rId18"/>
   </p:sldIdLst>
   <p:sldSz cx="12192000" cy="6858000"/>
   <p:notesSz cx="6858000" cy="9144000"/>
@@ -123,10 +128,6 @@
 </p:presentation>
 </file>
 
-<file path=ppt/revisionInfo.xml><?xml version="1.0" encoding="utf-8"?>
-<p1510:revInfo xmlns:a="http://schemas.openxmlformats.org/drawingml/2006/main" xmlns:r="http://schemas.openxmlformats.org/officeDocument/2006/relationships" xmlns:p1510="http://schemas.microsoft.com/office/powerpoint/2015/10/main"/>
-</file>
-
 <file path=ppt/slideLayouts/slideLayout1.xml><?xml version="1.0" encoding="utf-8"?>
 <p:sldLayout xmlns:a="http://schemas.openxmlformats.org/drawingml/2006/main" xmlns:r="http://schemas.openxmlformats.org/officeDocument/2006/relationships" xmlns:p="http://schemas.openxmlformats.org/presentationml/2006/main" type="title" preserve="1">
   <p:cSld name="Title Slide">
@@ -274,7 +275,7 @@
           <a:p>
             <a:fld id="{4251A0A7-E5ED-433D-B50C-541014D691AF}" type="datetimeFigureOut">
               <a:rPr lang="en-US" smtClean="0"/>
-              <a:t>2/6/2018</a:t>
+              <a:t>2/20/2018</a:t>
             </a:fld>
             <a:endParaRPr lang="en-US"/>
           </a:p>
@@ -472,7 +473,7 @@
           <a:p>
             <a:fld id="{4251A0A7-E5ED-433D-B50C-541014D691AF}" type="datetimeFigureOut">
               <a:rPr lang="en-US" smtClean="0"/>
-              <a:t>2/6/2018</a:t>
+              <a:t>2/20/2018</a:t>
             </a:fld>
             <a:endParaRPr lang="en-US"/>
           </a:p>
@@ -680,7 +681,7 @@
           <a:p>
             <a:fld id="{4251A0A7-E5ED-433D-B50C-541014D691AF}" type="datetimeFigureOut">
               <a:rPr lang="en-US" smtClean="0"/>
-              <a:t>2/6/2018</a:t>
+              <a:t>2/20/2018</a:t>
             </a:fld>
             <a:endParaRPr lang="en-US"/>
           </a:p>
@@ -878,7 +879,7 @@
           <a:p>
             <a:fld id="{4251A0A7-E5ED-433D-B50C-541014D691AF}" type="datetimeFigureOut">
               <a:rPr lang="en-US" smtClean="0"/>
-              <a:t>2/6/2018</a:t>
+              <a:t>2/20/2018</a:t>
             </a:fld>
             <a:endParaRPr lang="en-US"/>
           </a:p>
@@ -1153,7 +1154,7 @@
           <a:p>
             <a:fld id="{4251A0A7-E5ED-433D-B50C-541014D691AF}" type="datetimeFigureOut">
               <a:rPr lang="en-US" smtClean="0"/>
-              <a:t>2/6/2018</a:t>
+              <a:t>2/20/2018</a:t>
             </a:fld>
             <a:endParaRPr lang="en-US"/>
           </a:p>
@@ -1418,7 +1419,7 @@
           <a:p>
             <a:fld id="{4251A0A7-E5ED-433D-B50C-541014D691AF}" type="datetimeFigureOut">
               <a:rPr lang="en-US" smtClean="0"/>
-              <a:t>2/6/2018</a:t>
+              <a:t>2/20/2018</a:t>
             </a:fld>
             <a:endParaRPr lang="en-US"/>
           </a:p>
@@ -1830,7 +1831,7 @@
           <a:p>
             <a:fld id="{4251A0A7-E5ED-433D-B50C-541014D691AF}" type="datetimeFigureOut">
               <a:rPr lang="en-US" smtClean="0"/>
-              <a:t>2/6/2018</a:t>
+              <a:t>2/20/2018</a:t>
             </a:fld>
             <a:endParaRPr lang="en-US"/>
           </a:p>
@@ -1971,7 +1972,7 @@
           <a:p>
             <a:fld id="{4251A0A7-E5ED-433D-B50C-541014D691AF}" type="datetimeFigureOut">
               <a:rPr lang="en-US" smtClean="0"/>
-              <a:t>2/6/2018</a:t>
+              <a:t>2/20/2018</a:t>
             </a:fld>
             <a:endParaRPr lang="en-US"/>
           </a:p>
@@ -2084,7 +2085,7 @@
           <a:p>
             <a:fld id="{4251A0A7-E5ED-433D-B50C-541014D691AF}" type="datetimeFigureOut">
               <a:rPr lang="en-US" smtClean="0"/>
-              <a:t>2/6/2018</a:t>
+              <a:t>2/20/2018</a:t>
             </a:fld>
             <a:endParaRPr lang="en-US"/>
           </a:p>
@@ -2395,7 +2396,7 @@
           <a:p>
             <a:fld id="{4251A0A7-E5ED-433D-B50C-541014D691AF}" type="datetimeFigureOut">
               <a:rPr lang="en-US" smtClean="0"/>
-              <a:t>2/6/2018</a:t>
+              <a:t>2/20/2018</a:t>
             </a:fld>
             <a:endParaRPr lang="en-US"/>
           </a:p>
@@ -2683,7 +2684,7 @@
           <a:p>
             <a:fld id="{4251A0A7-E5ED-433D-B50C-541014D691AF}" type="datetimeFigureOut">
               <a:rPr lang="en-US" smtClean="0"/>
-              <a:t>2/6/2018</a:t>
+              <a:t>2/20/2018</a:t>
             </a:fld>
             <a:endParaRPr lang="en-US"/>
           </a:p>
@@ -2924,7 +2925,7 @@
           <a:p>
             <a:fld id="{4251A0A7-E5ED-433D-B50C-541014D691AF}" type="datetimeFigureOut">
               <a:rPr lang="en-US" smtClean="0"/>
-              <a:t>2/6/2018</a:t>
+              <a:t>2/20/2018</a:t>
             </a:fld>
             <a:endParaRPr lang="en-US"/>
           </a:p>
@@ -3695,10 +3696,144 @@
         </p:nvSpPr>
         <p:spPr/>
         <p:txBody>
-          <a:bodyPr/>
-          <a:lstStyle/>
-          <a:p>
-            <a:endParaRPr lang="en-US"/>
+          <a:bodyPr>
+            <a:normAutofit/>
+          </a:bodyPr>
+          <a:lstStyle/>
+          <a:p>
+            <a:r>
+              <a:rPr lang="en-US" dirty="0"/>
+              <a:t>First Step Get </a:t>
+            </a:r>
+            <a:r>
+              <a:rPr lang="en-US" dirty="0" err="1"/>
+              <a:t>Redis</a:t>
+            </a:r>
+            <a:r>
+              <a:rPr lang="en-US" dirty="0"/>
+              <a:t> Handle and import classes from class </a:t>
+            </a:r>
+            <a:r>
+              <a:rPr lang="en-US" dirty="0" err="1"/>
+              <a:t>Search_Extensions</a:t>
+            </a:r>
+            <a:endParaRPr lang="en-US" dirty="0"/>
+          </a:p>
+          <a:p>
+            <a:pPr lvl="1"/>
+            <a:r>
+              <a:rPr lang="en-US" dirty="0"/>
+              <a:t>import </a:t>
+            </a:r>
+            <a:r>
+              <a:rPr lang="en-US" dirty="0" err="1"/>
+              <a:t>redis</a:t>
+            </a:r>
+            <a:endParaRPr lang="en-US" dirty="0"/>
+          </a:p>
+          <a:p>
+            <a:pPr lvl="1"/>
+            <a:r>
+              <a:rPr lang="en-US" dirty="0"/>
+              <a:t>from redis_utitilites.search_extensions_py3 import </a:t>
+            </a:r>
+            <a:r>
+              <a:rPr lang="en-US" dirty="0" err="1"/>
+              <a:t>Search_Extensions</a:t>
+            </a:r>
+            <a:r>
+              <a:rPr lang="en-US" dirty="0"/>
+              <a:t>, </a:t>
+            </a:r>
+            <a:r>
+              <a:rPr lang="en-US" dirty="0" err="1"/>
+              <a:t>Text_Field</a:t>
+            </a:r>
+            <a:r>
+              <a:rPr lang="en-US" dirty="0"/>
+              <a:t>, </a:t>
+            </a:r>
+            <a:r>
+              <a:rPr lang="en-US" dirty="0" err="1"/>
+              <a:t>Numeric_Field</a:t>
+            </a:r>
+            <a:r>
+              <a:rPr lang="en-US" dirty="0"/>
+              <a:t> </a:t>
+            </a:r>
+          </a:p>
+          <a:p>
+            <a:pPr lvl="1"/>
+            <a:r>
+              <a:rPr lang="en-US" dirty="0" err="1"/>
+              <a:t>redis_handle</a:t>
+            </a:r>
+            <a:r>
+              <a:rPr lang="en-US" dirty="0"/>
+              <a:t> = </a:t>
+            </a:r>
+            <a:r>
+              <a:rPr lang="en-US" dirty="0" err="1"/>
+              <a:t>redis.StrictRedis</a:t>
+            </a:r>
+            <a:r>
+              <a:rPr lang="en-US" dirty="0"/>
+              <a:t>( host = "localhost", port = 6379, </a:t>
+            </a:r>
+            <a:r>
+              <a:rPr lang="en-US" dirty="0" err="1"/>
+              <a:t>db</a:t>
+            </a:r>
+            <a:r>
+              <a:rPr lang="en-US" dirty="0"/>
+              <a:t> =21, </a:t>
+            </a:r>
+            <a:r>
+              <a:rPr lang="en-US" dirty="0" err="1"/>
+              <a:t>decode_responses</a:t>
+            </a:r>
+            <a:r>
+              <a:rPr lang="en-US" dirty="0"/>
+              <a:t>=True)</a:t>
+            </a:r>
+          </a:p>
+          <a:p>
+            <a:pPr lvl="1"/>
+            <a:r>
+              <a:rPr lang="en-US" dirty="0"/>
+              <a:t>Instantiate </a:t>
+            </a:r>
+            <a:r>
+              <a:rPr lang="en-US" dirty="0" err="1"/>
+              <a:t>Search_Extensions</a:t>
+            </a:r>
+            <a:r>
+              <a:rPr lang="en-US" dirty="0"/>
+              <a:t> class</a:t>
+            </a:r>
+          </a:p>
+          <a:p>
+            <a:pPr lvl="2"/>
+            <a:r>
+              <a:rPr lang="en-US" dirty="0"/>
+              <a:t>search = </a:t>
+            </a:r>
+            <a:r>
+              <a:rPr lang="en-US" dirty="0" err="1"/>
+              <a:t>Search_Extensions</a:t>
+            </a:r>
+            <a:r>
+              <a:rPr lang="en-US" dirty="0"/>
+              <a:t>(</a:t>
+            </a:r>
+            <a:r>
+              <a:rPr lang="en-US" dirty="0" err="1"/>
+              <a:t>redis_handle</a:t>
+            </a:r>
+            <a:r>
+              <a:rPr lang="en-US" dirty="0"/>
+              <a:t>)</a:t>
+            </a:r>
           </a:p>
         </p:txBody>
       </p:sp>
@@ -3706,6 +3841,964 @@
     <p:extLst>
       <p:ext uri="{BB962C8B-B14F-4D97-AF65-F5344CB8AC3E}">
         <p14:creationId xmlns:p14="http://schemas.microsoft.com/office/powerpoint/2010/main" val="1429118076"/>
+      </p:ext>
+    </p:extLst>
+  </p:cSld>
+  <p:clrMapOvr>
+    <a:masterClrMapping/>
+  </p:clrMapOvr>
+</p:sld>
+</file>
+
+<file path=ppt/slides/slide13.xml><?xml version="1.0" encoding="utf-8"?>
+<p:sld xmlns:a="http://schemas.openxmlformats.org/drawingml/2006/main" xmlns:r="http://schemas.openxmlformats.org/officeDocument/2006/relationships" xmlns:p="http://schemas.openxmlformats.org/presentationml/2006/main">
+  <p:cSld>
+    <p:spTree>
+      <p:nvGrpSpPr>
+        <p:cNvPr id="1" name=""/>
+        <p:cNvGrpSpPr/>
+        <p:nvPr/>
+      </p:nvGrpSpPr>
+      <p:grpSpPr>
+        <a:xfrm>
+          <a:off x="0" y="0"/>
+          <a:ext cx="0" cy="0"/>
+          <a:chOff x="0" y="0"/>
+          <a:chExt cx="0" cy="0"/>
+        </a:xfrm>
+      </p:grpSpPr>
+      <p:sp>
+        <p:nvSpPr>
+          <p:cNvPr id="2" name="Title 1">
+            <a:extLst>
+              <a:ext uri="{FF2B5EF4-FFF2-40B4-BE49-F238E27FC236}">
+                <a16:creationId xmlns:a16="http://schemas.microsoft.com/office/drawing/2014/main" id="{46181826-0AD2-4BE9-B081-DD690A4BE435}"/>
+              </a:ext>
+            </a:extLst>
+          </p:cNvPr>
+          <p:cNvSpPr>
+            <a:spLocks noGrp="1"/>
+          </p:cNvSpPr>
+          <p:nvPr>
+            <p:ph type="title"/>
+          </p:nvPr>
+        </p:nvSpPr>
+        <p:spPr/>
+        <p:txBody>
+          <a:bodyPr/>
+          <a:lstStyle/>
+          <a:p>
+            <a:r>
+              <a:rPr lang="en-US" dirty="0"/>
+              <a:t>Part 1 Create Index</a:t>
+            </a:r>
+          </a:p>
+        </p:txBody>
+      </p:sp>
+      <p:sp>
+        <p:nvSpPr>
+          <p:cNvPr id="3" name="Content Placeholder 2">
+            <a:extLst>
+              <a:ext uri="{FF2B5EF4-FFF2-40B4-BE49-F238E27FC236}">
+                <a16:creationId xmlns:a16="http://schemas.microsoft.com/office/drawing/2014/main" id="{84807152-80FD-4B33-A74D-F9D6C7421431}"/>
+              </a:ext>
+            </a:extLst>
+          </p:cNvPr>
+          <p:cNvSpPr>
+            <a:spLocks noGrp="1"/>
+          </p:cNvSpPr>
+          <p:nvPr>
+            <p:ph idx="1"/>
+          </p:nvPr>
+        </p:nvSpPr>
+        <p:spPr/>
+        <p:txBody>
+          <a:bodyPr/>
+          <a:lstStyle/>
+          <a:p>
+            <a:r>
+              <a:rPr lang="en-US" dirty="0"/>
+              <a:t>Create Text Fields</a:t>
+            </a:r>
+          </a:p>
+          <a:p>
+            <a:pPr lvl="1"/>
+            <a:r>
+              <a:rPr lang="en-US" dirty="0" err="1"/>
+              <a:t>t_field</a:t>
+            </a:r>
+            <a:r>
+              <a:rPr lang="en-US" dirty="0"/>
+              <a:t> = </a:t>
+            </a:r>
+            <a:r>
+              <a:rPr lang="en-US" dirty="0" err="1"/>
+              <a:t>Text_Field</a:t>
+            </a:r>
+            <a:r>
+              <a:rPr lang="en-US" dirty="0"/>
+              <a:t>()</a:t>
+            </a:r>
+          </a:p>
+          <a:p>
+            <a:pPr lvl="1"/>
+            <a:r>
+              <a:rPr lang="en-US" dirty="0" err="1"/>
+              <a:t>t_field.add</a:t>
+            </a:r>
+            <a:r>
+              <a:rPr lang="en-US" dirty="0"/>
+              <a:t>(["</a:t>
+            </a:r>
+            <a:r>
+              <a:rPr lang="en-US" dirty="0" err="1"/>
+              <a:t>name","company</a:t>
+            </a:r>
+            <a:r>
+              <a:rPr lang="en-US" dirty="0"/>
+              <a:t>"])</a:t>
+            </a:r>
+          </a:p>
+          <a:p>
+            <a:r>
+              <a:rPr lang="en-US" dirty="0"/>
+              <a:t>Create Numeric Fields</a:t>
+            </a:r>
+          </a:p>
+          <a:p>
+            <a:pPr lvl="1"/>
+            <a:r>
+              <a:rPr lang="en-US" dirty="0" err="1"/>
+              <a:t>n_field</a:t>
+            </a:r>
+            <a:r>
+              <a:rPr lang="en-US" dirty="0"/>
+              <a:t> = </a:t>
+            </a:r>
+            <a:r>
+              <a:rPr lang="en-US" dirty="0" err="1"/>
+              <a:t>Numeric_Field</a:t>
+            </a:r>
+            <a:r>
+              <a:rPr lang="en-US" dirty="0"/>
+              <a:t>()</a:t>
+            </a:r>
+          </a:p>
+          <a:p>
+            <a:pPr lvl="1"/>
+            <a:r>
+              <a:rPr lang="en-US" dirty="0" err="1"/>
+              <a:t>n_field.add</a:t>
+            </a:r>
+            <a:r>
+              <a:rPr lang="en-US" dirty="0"/>
+              <a:t>("age")</a:t>
+            </a:r>
+          </a:p>
+          <a:p>
+            <a:r>
+              <a:rPr lang="en-US" dirty="0"/>
+              <a:t>Create The Index</a:t>
+            </a:r>
+          </a:p>
+          <a:p>
+            <a:pPr lvl="1"/>
+            <a:r>
+              <a:rPr lang="en-US" dirty="0" err="1"/>
+              <a:t>search.create</a:t>
+            </a:r>
+            <a:r>
+              <a:rPr lang="en-US" dirty="0"/>
+              <a:t>("test",</a:t>
+            </a:r>
+            <a:r>
+              <a:rPr lang="en-US" dirty="0" err="1"/>
+              <a:t>text_fields</a:t>
+            </a:r>
+            <a:r>
+              <a:rPr lang="en-US" dirty="0"/>
+              <a:t> = </a:t>
+            </a:r>
+            <a:r>
+              <a:rPr lang="en-US" dirty="0" err="1"/>
+              <a:t>t_field</a:t>
+            </a:r>
+            <a:r>
+              <a:rPr lang="en-US" dirty="0"/>
+              <a:t>, </a:t>
+            </a:r>
+            <a:r>
+              <a:rPr lang="en-US" dirty="0" err="1"/>
+              <a:t>numeric_fields</a:t>
+            </a:r>
+            <a:r>
+              <a:rPr lang="en-US" dirty="0"/>
+              <a:t>= </a:t>
+            </a:r>
+            <a:r>
+              <a:rPr lang="en-US" dirty="0" err="1"/>
+              <a:t>n_field</a:t>
+            </a:r>
+            <a:r>
+              <a:rPr lang="en-US" dirty="0"/>
+              <a:t>) </a:t>
+            </a:r>
+          </a:p>
+        </p:txBody>
+      </p:sp>
+    </p:spTree>
+    <p:extLst>
+      <p:ext uri="{BB962C8B-B14F-4D97-AF65-F5344CB8AC3E}">
+        <p14:creationId xmlns:p14="http://schemas.microsoft.com/office/powerpoint/2010/main" val="3769580974"/>
+      </p:ext>
+    </p:extLst>
+  </p:cSld>
+  <p:clrMapOvr>
+    <a:masterClrMapping/>
+  </p:clrMapOvr>
+</p:sld>
+</file>
+
+<file path=ppt/slides/slide14.xml><?xml version="1.0" encoding="utf-8"?>
+<p:sld xmlns:a="http://schemas.openxmlformats.org/drawingml/2006/main" xmlns:r="http://schemas.openxmlformats.org/officeDocument/2006/relationships" xmlns:p="http://schemas.openxmlformats.org/presentationml/2006/main">
+  <p:cSld>
+    <p:spTree>
+      <p:nvGrpSpPr>
+        <p:cNvPr id="1" name=""/>
+        <p:cNvGrpSpPr/>
+        <p:nvPr/>
+      </p:nvGrpSpPr>
+      <p:grpSpPr>
+        <a:xfrm>
+          <a:off x="0" y="0"/>
+          <a:ext cx="0" cy="0"/>
+          <a:chOff x="0" y="0"/>
+          <a:chExt cx="0" cy="0"/>
+        </a:xfrm>
+      </p:grpSpPr>
+      <p:sp>
+        <p:nvSpPr>
+          <p:cNvPr id="2" name="Title 1">
+            <a:extLst>
+              <a:ext uri="{FF2B5EF4-FFF2-40B4-BE49-F238E27FC236}">
+                <a16:creationId xmlns:a16="http://schemas.microsoft.com/office/drawing/2014/main" id="{E45A55DA-E2BD-4185-B29A-A6A6BAE7A7EF}"/>
+              </a:ext>
+            </a:extLst>
+          </p:cNvPr>
+          <p:cNvSpPr>
+            <a:spLocks noGrp="1"/>
+          </p:cNvSpPr>
+          <p:nvPr>
+            <p:ph type="title"/>
+          </p:nvPr>
+        </p:nvSpPr>
+        <p:spPr/>
+        <p:txBody>
+          <a:bodyPr/>
+          <a:lstStyle/>
+          <a:p>
+            <a:r>
+              <a:rPr lang="en-US" dirty="0"/>
+              <a:t>Part 3 Populate The Index</a:t>
+            </a:r>
+          </a:p>
+        </p:txBody>
+      </p:sp>
+      <p:sp>
+        <p:nvSpPr>
+          <p:cNvPr id="3" name="Content Placeholder 2">
+            <a:extLst>
+              <a:ext uri="{FF2B5EF4-FFF2-40B4-BE49-F238E27FC236}">
+                <a16:creationId xmlns:a16="http://schemas.microsoft.com/office/drawing/2014/main" id="{763733FB-C807-4438-AE09-B99DE3131DCB}"/>
+              </a:ext>
+            </a:extLst>
+          </p:cNvPr>
+          <p:cNvSpPr>
+            <a:spLocks noGrp="1"/>
+          </p:cNvSpPr>
+          <p:nvPr>
+            <p:ph idx="1"/>
+          </p:nvPr>
+        </p:nvSpPr>
+        <p:spPr/>
+        <p:txBody>
+          <a:bodyPr>
+            <a:normAutofit fontScale="92500" lnSpcReduction="10000"/>
+          </a:bodyPr>
+          <a:lstStyle/>
+          <a:p>
+            <a:r>
+              <a:rPr lang="en-US" dirty="0"/>
+              <a:t>Populate without creating a </a:t>
+            </a:r>
+            <a:r>
+              <a:rPr lang="en-US" dirty="0" err="1"/>
+              <a:t>redis</a:t>
+            </a:r>
+            <a:r>
+              <a:rPr lang="en-US" dirty="0"/>
+              <a:t> hash</a:t>
+            </a:r>
+          </a:p>
+          <a:p>
+            <a:pPr lvl="1"/>
+            <a:r>
+              <a:rPr lang="en-US" dirty="0" err="1"/>
+              <a:t>dict_values</a:t>
+            </a:r>
+            <a:r>
+              <a:rPr lang="en-US" dirty="0"/>
+              <a:t> = {"name":"joe","company":"xerox","age":40}</a:t>
+            </a:r>
+          </a:p>
+          <a:p>
+            <a:pPr lvl="1"/>
+            <a:r>
+              <a:rPr lang="en-US" dirty="0" err="1"/>
+              <a:t>search.add</a:t>
+            </a:r>
+            <a:r>
+              <a:rPr lang="en-US" dirty="0"/>
+              <a:t>("test","</a:t>
+            </a:r>
+            <a:r>
+              <a:rPr lang="en-US" dirty="0" err="1"/>
+              <a:t>doc_id</a:t>
+            </a:r>
+            <a:r>
+              <a:rPr lang="en-US" dirty="0"/>
+              <a:t>", </a:t>
+            </a:r>
+            <a:r>
+              <a:rPr lang="en-US" dirty="0" err="1"/>
+              <a:t>dict_values</a:t>
+            </a:r>
+            <a:r>
+              <a:rPr lang="en-US" dirty="0"/>
+              <a:t> )</a:t>
+            </a:r>
+          </a:p>
+          <a:p>
+            <a:pPr lvl="1"/>
+            <a:endParaRPr lang="en-US" dirty="0"/>
+          </a:p>
+          <a:p>
+            <a:r>
+              <a:rPr lang="en-US" dirty="0"/>
+              <a:t>Populate from an existing </a:t>
+            </a:r>
+            <a:r>
+              <a:rPr lang="en-US" dirty="0" err="1"/>
+              <a:t>redis</a:t>
+            </a:r>
+            <a:r>
+              <a:rPr lang="en-US" dirty="0"/>
+              <a:t> hash value</a:t>
+            </a:r>
+          </a:p>
+          <a:p>
+            <a:pPr lvl="1"/>
+            <a:r>
+              <a:rPr lang="en-US" dirty="0"/>
+              <a:t>#First create the </a:t>
+            </a:r>
+            <a:r>
+              <a:rPr lang="en-US" dirty="0" err="1"/>
+              <a:t>redis</a:t>
+            </a:r>
+            <a:r>
+              <a:rPr lang="en-US" dirty="0"/>
+              <a:t> hash object</a:t>
+            </a:r>
+          </a:p>
+          <a:p>
+            <a:pPr lvl="1"/>
+            <a:r>
+              <a:rPr lang="en-US" dirty="0" err="1"/>
+              <a:t>redis_handle.hset</a:t>
+            </a:r>
+            <a:r>
+              <a:rPr lang="en-US" dirty="0"/>
+              <a:t>("hash_1","name","frank")</a:t>
+            </a:r>
+          </a:p>
+          <a:p>
+            <a:pPr lvl="1"/>
+            <a:r>
+              <a:rPr lang="en-US" dirty="0" err="1"/>
+              <a:t>redis_handle.hset</a:t>
+            </a:r>
+            <a:r>
+              <a:rPr lang="en-US" dirty="0"/>
+              <a:t>("hash_1","company","google")</a:t>
+            </a:r>
+          </a:p>
+          <a:p>
+            <a:pPr lvl="1"/>
+            <a:r>
+              <a:rPr lang="en-US" dirty="0" err="1"/>
+              <a:t>redis_handle.hset</a:t>
+            </a:r>
+            <a:r>
+              <a:rPr lang="en-US" dirty="0"/>
+              <a:t>("hash_1","age",25)</a:t>
+            </a:r>
+          </a:p>
+          <a:p>
+            <a:pPr lvl="1"/>
+            <a:r>
+              <a:rPr lang="en-US" dirty="0"/>
+              <a:t># Now add the value to the search index</a:t>
+            </a:r>
+          </a:p>
+          <a:p>
+            <a:pPr lvl="1"/>
+            <a:r>
+              <a:rPr lang="en-US" dirty="0" err="1"/>
+              <a:t>search.add_hash</a:t>
+            </a:r>
+            <a:r>
+              <a:rPr lang="en-US" dirty="0"/>
+              <a:t>( "test", "hash_1" )</a:t>
+            </a:r>
+          </a:p>
+          <a:p>
+            <a:pPr marL="457200" lvl="1" indent="0">
+              <a:buNone/>
+            </a:pPr>
+            <a:r>
+              <a:rPr lang="en-US" dirty="0"/>
+              <a:t>  </a:t>
+            </a:r>
+          </a:p>
+        </p:txBody>
+      </p:sp>
+    </p:spTree>
+    <p:extLst>
+      <p:ext uri="{BB962C8B-B14F-4D97-AF65-F5344CB8AC3E}">
+        <p14:creationId xmlns:p14="http://schemas.microsoft.com/office/powerpoint/2010/main" val="1578181122"/>
+      </p:ext>
+    </p:extLst>
+  </p:cSld>
+  <p:clrMapOvr>
+    <a:masterClrMapping/>
+  </p:clrMapOvr>
+</p:sld>
+</file>
+
+<file path=ppt/slides/slide15.xml><?xml version="1.0" encoding="utf-8"?>
+<p:sld xmlns:a="http://schemas.openxmlformats.org/drawingml/2006/main" xmlns:r="http://schemas.openxmlformats.org/officeDocument/2006/relationships" xmlns:p="http://schemas.openxmlformats.org/presentationml/2006/main">
+  <p:cSld>
+    <p:spTree>
+      <p:nvGrpSpPr>
+        <p:cNvPr id="1" name=""/>
+        <p:cNvGrpSpPr/>
+        <p:nvPr/>
+      </p:nvGrpSpPr>
+      <p:grpSpPr>
+        <a:xfrm>
+          <a:off x="0" y="0"/>
+          <a:ext cx="0" cy="0"/>
+          <a:chOff x="0" y="0"/>
+          <a:chExt cx="0" cy="0"/>
+        </a:xfrm>
+      </p:grpSpPr>
+      <p:sp>
+        <p:nvSpPr>
+          <p:cNvPr id="2" name="Title 1">
+            <a:extLst>
+              <a:ext uri="{FF2B5EF4-FFF2-40B4-BE49-F238E27FC236}">
+                <a16:creationId xmlns:a16="http://schemas.microsoft.com/office/drawing/2014/main" id="{FD7EF4DE-6C1A-48D2-A5E8-08501B35D084}"/>
+              </a:ext>
+            </a:extLst>
+          </p:cNvPr>
+          <p:cNvSpPr>
+            <a:spLocks noGrp="1"/>
+          </p:cNvSpPr>
+          <p:nvPr>
+            <p:ph type="title"/>
+          </p:nvPr>
+        </p:nvSpPr>
+        <p:spPr/>
+        <p:txBody>
+          <a:bodyPr/>
+          <a:lstStyle/>
+          <a:p>
+            <a:r>
+              <a:rPr lang="en-US" dirty="0"/>
+              <a:t>Optional step – </a:t>
+            </a:r>
+            <a:r>
+              <a:rPr lang="en-US" dirty="0" err="1"/>
+              <a:t>Retreive</a:t>
+            </a:r>
+            <a:r>
+              <a:rPr lang="en-US" dirty="0"/>
+              <a:t> Values</a:t>
+            </a:r>
+          </a:p>
+        </p:txBody>
+      </p:sp>
+      <p:sp>
+        <p:nvSpPr>
+          <p:cNvPr id="3" name="Content Placeholder 2">
+            <a:extLst>
+              <a:ext uri="{FF2B5EF4-FFF2-40B4-BE49-F238E27FC236}">
+                <a16:creationId xmlns:a16="http://schemas.microsoft.com/office/drawing/2014/main" id="{380B538B-B2D5-468F-AA5A-DBBE03A5419C}"/>
+              </a:ext>
+            </a:extLst>
+          </p:cNvPr>
+          <p:cNvSpPr>
+            <a:spLocks noGrp="1"/>
+          </p:cNvSpPr>
+          <p:nvPr>
+            <p:ph idx="1"/>
+          </p:nvPr>
+        </p:nvSpPr>
+        <p:spPr/>
+        <p:txBody>
+          <a:bodyPr/>
+          <a:lstStyle/>
+          <a:p>
+            <a:r>
+              <a:rPr lang="en-US" dirty="0"/>
+              <a:t>print(</a:t>
+            </a:r>
+            <a:r>
+              <a:rPr lang="en-US" dirty="0" err="1"/>
+              <a:t>search.get</a:t>
+            </a:r>
+            <a:r>
+              <a:rPr lang="en-US" dirty="0"/>
+              <a:t>("test","</a:t>
+            </a:r>
+            <a:r>
+              <a:rPr lang="en-US" dirty="0" err="1"/>
+              <a:t>doc_id</a:t>
+            </a:r>
+            <a:r>
+              <a:rPr lang="en-US" dirty="0"/>
+              <a:t>"))</a:t>
+            </a:r>
+          </a:p>
+          <a:p>
+            <a:r>
+              <a:rPr lang="en-US" dirty="0"/>
+              <a:t>print(</a:t>
+            </a:r>
+            <a:r>
+              <a:rPr lang="en-US" dirty="0" err="1"/>
+              <a:t>search.get</a:t>
+            </a:r>
+            <a:r>
+              <a:rPr lang="en-US" dirty="0"/>
+              <a:t>("test","hash_1"))</a:t>
+            </a:r>
+          </a:p>
+          <a:p>
+            <a:r>
+              <a:rPr lang="en-US" dirty="0"/>
+              <a:t>print(</a:t>
+            </a:r>
+            <a:r>
+              <a:rPr lang="en-US" dirty="0" err="1"/>
+              <a:t>search.get</a:t>
+            </a:r>
+            <a:r>
+              <a:rPr lang="en-US" dirty="0"/>
+              <a:t>("test","hash_2")) # should return none</a:t>
+            </a:r>
+          </a:p>
+          <a:p>
+            <a:endParaRPr lang="en-US" dirty="0"/>
+          </a:p>
+        </p:txBody>
+      </p:sp>
+    </p:spTree>
+    <p:extLst>
+      <p:ext uri="{BB962C8B-B14F-4D97-AF65-F5344CB8AC3E}">
+        <p14:creationId xmlns:p14="http://schemas.microsoft.com/office/powerpoint/2010/main" val="4244647437"/>
+      </p:ext>
+    </p:extLst>
+  </p:cSld>
+  <p:clrMapOvr>
+    <a:masterClrMapping/>
+  </p:clrMapOvr>
+</p:sld>
+</file>
+
+<file path=ppt/slides/slide16.xml><?xml version="1.0" encoding="utf-8"?>
+<p:sld xmlns:a="http://schemas.openxmlformats.org/drawingml/2006/main" xmlns:r="http://schemas.openxmlformats.org/officeDocument/2006/relationships" xmlns:p="http://schemas.openxmlformats.org/presentationml/2006/main">
+  <p:cSld>
+    <p:spTree>
+      <p:nvGrpSpPr>
+        <p:cNvPr id="1" name=""/>
+        <p:cNvGrpSpPr/>
+        <p:nvPr/>
+      </p:nvGrpSpPr>
+      <p:grpSpPr>
+        <a:xfrm>
+          <a:off x="0" y="0"/>
+          <a:ext cx="0" cy="0"/>
+          <a:chOff x="0" y="0"/>
+          <a:chExt cx="0" cy="0"/>
+        </a:xfrm>
+      </p:grpSpPr>
+      <p:sp>
+        <p:nvSpPr>
+          <p:cNvPr id="2" name="Title 1">
+            <a:extLst>
+              <a:ext uri="{FF2B5EF4-FFF2-40B4-BE49-F238E27FC236}">
+                <a16:creationId xmlns:a16="http://schemas.microsoft.com/office/drawing/2014/main" id="{96C2B332-520E-4F1F-8E5E-CDB8E28FBF39}"/>
+              </a:ext>
+            </a:extLst>
+          </p:cNvPr>
+          <p:cNvSpPr>
+            <a:spLocks noGrp="1"/>
+          </p:cNvSpPr>
+          <p:nvPr>
+            <p:ph type="title"/>
+          </p:nvPr>
+        </p:nvSpPr>
+        <p:spPr/>
+        <p:txBody>
+          <a:bodyPr/>
+          <a:lstStyle/>
+          <a:p>
+            <a:r>
+              <a:rPr lang="en-US" dirty="0"/>
+              <a:t>Step #4 Searching</a:t>
+            </a:r>
+          </a:p>
+        </p:txBody>
+      </p:sp>
+      <p:sp>
+        <p:nvSpPr>
+          <p:cNvPr id="3" name="Content Placeholder 2">
+            <a:extLst>
+              <a:ext uri="{FF2B5EF4-FFF2-40B4-BE49-F238E27FC236}">
+                <a16:creationId xmlns:a16="http://schemas.microsoft.com/office/drawing/2014/main" id="{88B2F9C2-3F2F-42E7-8F34-32E912E41327}"/>
+              </a:ext>
+            </a:extLst>
+          </p:cNvPr>
+          <p:cNvSpPr>
+            <a:spLocks noGrp="1"/>
+          </p:cNvSpPr>
+          <p:nvPr>
+            <p:ph idx="1"/>
+          </p:nvPr>
+        </p:nvSpPr>
+        <p:spPr/>
+        <p:txBody>
+          <a:bodyPr>
+            <a:normAutofit fontScale="55000" lnSpcReduction="20000"/>
+          </a:bodyPr>
+          <a:lstStyle/>
+          <a:p>
+            <a:r>
+              <a:rPr lang="en-US" dirty="0"/>
+              <a:t>The search Query String format is extensive and is documented here</a:t>
+            </a:r>
+          </a:p>
+          <a:p>
+            <a:pPr lvl="1"/>
+            <a:r>
+              <a:rPr lang="en-US" dirty="0">
+                <a:hlinkClick r:id="rId2"/>
+              </a:rPr>
+              <a:t>http://redisearch.io/Query_Syntax/</a:t>
+            </a:r>
+            <a:endParaRPr lang="en-US" dirty="0"/>
+          </a:p>
+          <a:p>
+            <a:r>
+              <a:rPr lang="en-US" dirty="0"/>
+              <a:t>print(“doing basic search”)</a:t>
+            </a:r>
+          </a:p>
+          <a:p>
+            <a:r>
+              <a:rPr lang="en-US" dirty="0"/>
+              <a:t>print(</a:t>
+            </a:r>
+            <a:r>
+              <a:rPr lang="en-US" dirty="0" err="1"/>
+              <a:t>search.text_search</a:t>
+            </a:r>
+            <a:r>
+              <a:rPr lang="en-US" dirty="0"/>
+              <a:t>("</a:t>
+            </a:r>
+            <a:r>
+              <a:rPr lang="en-US" dirty="0" err="1"/>
+              <a:t>test","google</a:t>
+            </a:r>
+            <a:r>
+              <a:rPr lang="en-US" dirty="0"/>
+              <a:t>"))</a:t>
+            </a:r>
+          </a:p>
+          <a:p>
+            <a:r>
+              <a:rPr lang="en-US" dirty="0"/>
+              <a:t>print(</a:t>
+            </a:r>
+            <a:r>
+              <a:rPr lang="en-US" dirty="0" err="1"/>
+              <a:t>search.text_search</a:t>
+            </a:r>
+            <a:r>
+              <a:rPr lang="en-US" dirty="0"/>
+              <a:t>("</a:t>
+            </a:r>
+            <a:r>
+              <a:rPr lang="en-US" dirty="0" err="1"/>
+              <a:t>test","joe</a:t>
+            </a:r>
+            <a:r>
+              <a:rPr lang="en-US" dirty="0"/>
+              <a:t>"))</a:t>
+            </a:r>
+          </a:p>
+          <a:p>
+            <a:r>
+              <a:rPr lang="en-US" dirty="0"/>
+              <a:t>print(</a:t>
+            </a:r>
+            <a:r>
+              <a:rPr lang="en-US" dirty="0" err="1"/>
+              <a:t>search.text_search</a:t>
+            </a:r>
+            <a:r>
+              <a:rPr lang="en-US" dirty="0"/>
+              <a:t>("test","@</a:t>
+            </a:r>
+            <a:r>
+              <a:rPr lang="en-US" dirty="0" err="1"/>
+              <a:t>name:joe</a:t>
+            </a:r>
+            <a:r>
+              <a:rPr lang="en-US" dirty="0"/>
+              <a:t>"))  # searching by a specific Field</a:t>
+            </a:r>
+          </a:p>
+          <a:p>
+            <a:endParaRPr lang="en-US" dirty="0"/>
+          </a:p>
+          <a:p>
+            <a:endParaRPr lang="en-US" dirty="0"/>
+          </a:p>
+          <a:p>
+            <a:r>
+              <a:rPr lang="en-US" dirty="0"/>
+              <a:t>print("doing filter test")</a:t>
+            </a:r>
+          </a:p>
+          <a:p>
+            <a:r>
+              <a:rPr lang="en-US" dirty="0"/>
+              <a:t> </a:t>
+            </a:r>
+          </a:p>
+          <a:p>
+            <a:r>
+              <a:rPr lang="en-US" dirty="0"/>
+              <a:t>print(</a:t>
+            </a:r>
+            <a:r>
+              <a:rPr lang="en-US" dirty="0" err="1"/>
+              <a:t>search.text_search</a:t>
+            </a:r>
+            <a:r>
+              <a:rPr lang="en-US" dirty="0"/>
+              <a:t>("</a:t>
+            </a:r>
+            <a:r>
+              <a:rPr lang="en-US" dirty="0" err="1"/>
+              <a:t>test","@age</a:t>
+            </a:r>
+            <a:r>
+              <a:rPr lang="en-US" dirty="0"/>
+              <a:t>:[0,100] "))</a:t>
+            </a:r>
+          </a:p>
+          <a:p>
+            <a:r>
+              <a:rPr lang="en-US" dirty="0"/>
+              <a:t>print(</a:t>
+            </a:r>
+            <a:r>
+              <a:rPr lang="en-US" dirty="0" err="1"/>
+              <a:t>search.text_search</a:t>
+            </a:r>
+            <a:r>
+              <a:rPr lang="en-US" dirty="0"/>
+              <a:t>("</a:t>
+            </a:r>
+            <a:r>
+              <a:rPr lang="en-US" dirty="0" err="1"/>
+              <a:t>test","@age</a:t>
+            </a:r>
+            <a:r>
+              <a:rPr lang="en-US" dirty="0"/>
+              <a:t>:[30,100] "))</a:t>
+            </a:r>
+          </a:p>
+          <a:p>
+            <a:r>
+              <a:rPr lang="en-US" dirty="0"/>
+              <a:t>print(</a:t>
+            </a:r>
+            <a:r>
+              <a:rPr lang="en-US" dirty="0" err="1"/>
+              <a:t>search.delete</a:t>
+            </a:r>
+            <a:r>
+              <a:rPr lang="en-US" dirty="0"/>
+              <a:t>("test","</a:t>
+            </a:r>
+            <a:r>
+              <a:rPr lang="en-US" dirty="0" err="1"/>
+              <a:t>doc_id</a:t>
+            </a:r>
+            <a:r>
+              <a:rPr lang="en-US" dirty="0"/>
+              <a:t>"))</a:t>
+            </a:r>
+          </a:p>
+          <a:p>
+            <a:r>
+              <a:rPr lang="en-US" dirty="0"/>
+              <a:t>print(</a:t>
+            </a:r>
+            <a:r>
+              <a:rPr lang="en-US" dirty="0" err="1"/>
+              <a:t>search.text_search</a:t>
+            </a:r>
+            <a:r>
+              <a:rPr lang="en-US" dirty="0"/>
+              <a:t>("</a:t>
+            </a:r>
+            <a:r>
+              <a:rPr lang="en-US" dirty="0" err="1"/>
+              <a:t>test","@age</a:t>
+            </a:r>
+            <a:r>
+              <a:rPr lang="en-US" dirty="0"/>
+              <a:t>:[0,100] "))</a:t>
+            </a:r>
+          </a:p>
+          <a:p>
+            <a:pPr marL="0" indent="0">
+              <a:buNone/>
+            </a:pPr>
+            <a:r>
+              <a:rPr lang="en-US" dirty="0"/>
+              <a:t> </a:t>
+            </a:r>
+          </a:p>
+        </p:txBody>
+      </p:sp>
+    </p:spTree>
+    <p:extLst>
+      <p:ext uri="{BB962C8B-B14F-4D97-AF65-F5344CB8AC3E}">
+        <p14:creationId xmlns:p14="http://schemas.microsoft.com/office/powerpoint/2010/main" val="2666007016"/>
+      </p:ext>
+    </p:extLst>
+  </p:cSld>
+  <p:clrMapOvr>
+    <a:masterClrMapping/>
+  </p:clrMapOvr>
+</p:sld>
+</file>
+
+<file path=ppt/slides/slide17.xml><?xml version="1.0" encoding="utf-8"?>
+<p:sld xmlns:a="http://schemas.openxmlformats.org/drawingml/2006/main" xmlns:r="http://schemas.openxmlformats.org/officeDocument/2006/relationships" xmlns:p="http://schemas.openxmlformats.org/presentationml/2006/main">
+  <p:cSld>
+    <p:spTree>
+      <p:nvGrpSpPr>
+        <p:cNvPr id="1" name=""/>
+        <p:cNvGrpSpPr/>
+        <p:nvPr/>
+      </p:nvGrpSpPr>
+      <p:grpSpPr>
+        <a:xfrm>
+          <a:off x="0" y="0"/>
+          <a:ext cx="0" cy="0"/>
+          <a:chOff x="0" y="0"/>
+          <a:chExt cx="0" cy="0"/>
+        </a:xfrm>
+      </p:grpSpPr>
+      <p:sp>
+        <p:nvSpPr>
+          <p:cNvPr id="2" name="Title 1">
+            <a:extLst>
+              <a:ext uri="{FF2B5EF4-FFF2-40B4-BE49-F238E27FC236}">
+                <a16:creationId xmlns:a16="http://schemas.microsoft.com/office/drawing/2014/main" id="{8663D259-2601-4567-B8E3-961F14A665EF}"/>
+              </a:ext>
+            </a:extLst>
+          </p:cNvPr>
+          <p:cNvSpPr>
+            <a:spLocks noGrp="1"/>
+          </p:cNvSpPr>
+          <p:nvPr>
+            <p:ph type="title"/>
+          </p:nvPr>
+        </p:nvSpPr>
+        <p:spPr/>
+        <p:txBody>
+          <a:bodyPr/>
+          <a:lstStyle/>
+          <a:p>
+            <a:r>
+              <a:rPr lang="en-US" dirty="0"/>
+              <a:t>Tags</a:t>
+            </a:r>
+          </a:p>
+        </p:txBody>
+      </p:sp>
+      <p:sp>
+        <p:nvSpPr>
+          <p:cNvPr id="3" name="Content Placeholder 2">
+            <a:extLst>
+              <a:ext uri="{FF2B5EF4-FFF2-40B4-BE49-F238E27FC236}">
+                <a16:creationId xmlns:a16="http://schemas.microsoft.com/office/drawing/2014/main" id="{FBBC79D1-018B-49DB-AC0E-1B5DAA8303DC}"/>
+              </a:ext>
+            </a:extLst>
+          </p:cNvPr>
+          <p:cNvSpPr>
+            <a:spLocks noGrp="1"/>
+          </p:cNvSpPr>
+          <p:nvPr>
+            <p:ph idx="1"/>
+          </p:nvPr>
+        </p:nvSpPr>
+        <p:spPr/>
+        <p:txBody>
+          <a:bodyPr/>
+          <a:lstStyle/>
+          <a:p>
+            <a:r>
+              <a:rPr lang="en-US" dirty="0" err="1"/>
+              <a:t>Redis</a:t>
+            </a:r>
+            <a:r>
+              <a:rPr lang="en-US" dirty="0"/>
+              <a:t> Search Tags have not been shown because of a data base issue.</a:t>
+            </a:r>
+          </a:p>
+          <a:p>
+            <a:r>
+              <a:rPr lang="en-US" dirty="0"/>
+              <a:t>Will investigate offline</a:t>
+            </a:r>
+          </a:p>
+        </p:txBody>
+      </p:sp>
+    </p:spTree>
+    <p:extLst>
+      <p:ext uri="{BB962C8B-B14F-4D97-AF65-F5344CB8AC3E}">
+        <p14:creationId xmlns:p14="http://schemas.microsoft.com/office/powerpoint/2010/main" val="2479415415"/>
       </p:ext>
     </p:extLst>
   </p:cSld>
@@ -4359,13 +5452,36 @@
         </p:nvSpPr>
         <p:spPr/>
         <p:txBody>
-          <a:bodyPr/>
-          <a:lstStyle/>
-          <a:p>
-            <a:r>
-              <a:rPr lang="en-US" dirty="0"/>
-              <a:t>File Module</a:t>
-            </a:r>
+          <a:bodyPr>
+            <a:normAutofit fontScale="90000"/>
+          </a:bodyPr>
+          <a:lstStyle/>
+          <a:p>
+            <a:r>
+              <a:rPr lang="en-US" dirty="0"/>
+              <a:t>File Module  -- Python implementation</a:t>
+            </a:r>
+            <a:br>
+              <a:rPr lang="en-US" dirty="0"/>
+            </a:br>
+            <a:r>
+              <a:rPr lang="en-US" sz="2200" dirty="0">
+                <a:hlinkClick r:id="rId2"/>
+              </a:rPr>
+              <a:t>https://stackoverflow.com/questions/25537237/python-read-file-continuously-even-after-it-has-been-logrotated</a:t>
+            </a:r>
+            <a:br>
+              <a:rPr lang="en-US" sz="2200" dirty="0"/>
+            </a:br>
+            <a:r>
+              <a:rPr lang="en-US" sz="2200" dirty="0"/>
+              <a:t>With slight modification by the </a:t>
+            </a:r>
+            <a:r>
+              <a:rPr lang="en-US" sz="2200" dirty="0" err="1"/>
+              <a:t>Authon</a:t>
+            </a:r>
+            <a:endParaRPr lang="en-US" sz="2200" dirty="0"/>
           </a:p>
         </p:txBody>
       </p:sp>
@@ -4387,40 +5503,214 @@
         </p:nvSpPr>
         <p:spPr/>
         <p:txBody>
-          <a:bodyPr/>
-          <a:lstStyle/>
-          <a:p>
-            <a:r>
-              <a:rPr lang="en-US" dirty="0"/>
-              <a:t>The file module uses the python file tell method.  </a:t>
-            </a:r>
-          </a:p>
-          <a:p>
-            <a:pPr lvl="1"/>
-            <a:r>
-              <a:rPr lang="en-US" dirty="0"/>
-              <a:t>The tell method records the position of the file, from the beginning.</a:t>
-            </a:r>
-          </a:p>
-          <a:p>
-            <a:pPr lvl="1"/>
-            <a:r>
-              <a:rPr lang="en-US" dirty="0"/>
-              <a:t>The last tell position is stored in a data base location.</a:t>
-            </a:r>
-          </a:p>
-          <a:p>
-            <a:pPr lvl="1"/>
-            <a:r>
-              <a:rPr lang="en-US" dirty="0"/>
-              <a:t>When a log file is checked and the length of the file is shorter than the tell position, then the log has rotated. The tell position is set to zero.</a:t>
-            </a:r>
-          </a:p>
-          <a:p>
-            <a:pPr lvl="1"/>
-            <a:r>
-              <a:rPr lang="en-US" dirty="0"/>
-              <a:t>From the position of the tell to last valid line in the file, the file is processed one logical line at a time.</a:t>
+          <a:bodyPr>
+            <a:normAutofit fontScale="40000" lnSpcReduction="20000"/>
+          </a:bodyPr>
+          <a:lstStyle/>
+          <a:p>
+            <a:r>
+              <a:rPr lang="en-US" dirty="0"/>
+              <a:t>import time</a:t>
+            </a:r>
+          </a:p>
+          <a:p>
+            <a:r>
+              <a:rPr lang="en-US" dirty="0"/>
+              <a:t>cur = </a:t>
+            </a:r>
+            <a:r>
+              <a:rPr lang="en-US" dirty="0" err="1"/>
+              <a:t>redis.get</a:t>
+            </a:r>
+            <a:r>
+              <a:rPr lang="en-US" dirty="0"/>
+              <a:t>(“</a:t>
+            </a:r>
+            <a:r>
+              <a:rPr lang="en-US" dirty="0" err="1"/>
+              <a:t>current_log_positon</a:t>
+            </a:r>
+            <a:r>
+              <a:rPr lang="en-US" dirty="0"/>
+              <a:t>”)  # 0 if nothing in key</a:t>
+            </a:r>
+          </a:p>
+          <a:p>
+            <a:r>
+              <a:rPr lang="en-US" dirty="0"/>
+              <a:t>while True:</a:t>
+            </a:r>
+          </a:p>
+          <a:p>
+            <a:r>
+              <a:rPr lang="en-US" dirty="0"/>
+              <a:t>    try:</a:t>
+            </a:r>
+          </a:p>
+          <a:p>
+            <a:r>
+              <a:rPr lang="en-US" dirty="0"/>
+              <a:t>        with open('</a:t>
+            </a:r>
+            <a:r>
+              <a:rPr lang="en-US" dirty="0" err="1"/>
+              <a:t>myfile</a:t>
+            </a:r>
+            <a:r>
+              <a:rPr lang="en-US" dirty="0"/>
+              <a:t>') as f:</a:t>
+            </a:r>
+          </a:p>
+          <a:p>
+            <a:r>
+              <a:rPr lang="en-US" dirty="0"/>
+              <a:t>            </a:t>
+            </a:r>
+            <a:r>
+              <a:rPr lang="en-US" dirty="0" err="1"/>
+              <a:t>f.seek</a:t>
+            </a:r>
+            <a:r>
+              <a:rPr lang="en-US" dirty="0"/>
+              <a:t>(0,2)</a:t>
+            </a:r>
+          </a:p>
+          <a:p>
+            <a:r>
+              <a:rPr lang="en-US" dirty="0"/>
+              <a:t>            if </a:t>
+            </a:r>
+            <a:r>
+              <a:rPr lang="en-US" dirty="0" err="1"/>
+              <a:t>f.tell</a:t>
+            </a:r>
+            <a:r>
+              <a:rPr lang="en-US" dirty="0"/>
+              <a:t>() &lt; cur:</a:t>
+            </a:r>
+          </a:p>
+          <a:p>
+            <a:r>
+              <a:rPr lang="en-US" dirty="0"/>
+              <a:t>                </a:t>
+            </a:r>
+            <a:r>
+              <a:rPr lang="en-US" dirty="0" err="1"/>
+              <a:t>f.seek</a:t>
+            </a:r>
+            <a:r>
+              <a:rPr lang="en-US" dirty="0"/>
+              <a:t>(0,0)</a:t>
+            </a:r>
+          </a:p>
+          <a:p>
+            <a:r>
+              <a:rPr lang="en-US" dirty="0"/>
+              <a:t>            else:</a:t>
+            </a:r>
+          </a:p>
+          <a:p>
+            <a:r>
+              <a:rPr lang="en-US" dirty="0"/>
+              <a:t>                </a:t>
+            </a:r>
+            <a:r>
+              <a:rPr lang="en-US" dirty="0" err="1"/>
+              <a:t>f.seek</a:t>
+            </a:r>
+            <a:r>
+              <a:rPr lang="en-US" dirty="0"/>
+              <a:t>(cur,0)</a:t>
+            </a:r>
+          </a:p>
+          <a:p>
+            <a:r>
+              <a:rPr lang="en-US" dirty="0"/>
+              <a:t>            for line in f:</a:t>
+            </a:r>
+          </a:p>
+          <a:p>
+            <a:r>
+              <a:rPr lang="en-US" dirty="0"/>
+              <a:t>                print </a:t>
+            </a:r>
+            <a:r>
+              <a:rPr lang="en-US" dirty="0" err="1"/>
+              <a:t>line.strip</a:t>
+            </a:r>
+            <a:r>
+              <a:rPr lang="en-US" dirty="0"/>
+              <a:t>()</a:t>
+            </a:r>
+          </a:p>
+          <a:p>
+            <a:r>
+              <a:rPr lang="en-US" dirty="0"/>
+              <a:t>            cur = </a:t>
+            </a:r>
+            <a:r>
+              <a:rPr lang="en-US" dirty="0" err="1"/>
+              <a:t>f.tell</a:t>
+            </a:r>
+            <a:r>
+              <a:rPr lang="en-US" dirty="0"/>
+              <a:t>()</a:t>
+            </a:r>
+          </a:p>
+          <a:p>
+            <a:r>
+              <a:rPr lang="en-US" dirty="0"/>
+              <a:t>    except </a:t>
+            </a:r>
+            <a:r>
+              <a:rPr lang="en-US" dirty="0" err="1"/>
+              <a:t>IOError</a:t>
+            </a:r>
+            <a:r>
+              <a:rPr lang="en-US" dirty="0"/>
+              <a:t>, e:</a:t>
+            </a:r>
+          </a:p>
+          <a:p>
+            <a:r>
+              <a:rPr lang="en-US" dirty="0"/>
+              <a:t>        pass</a:t>
+            </a:r>
+          </a:p>
+          <a:p>
+            <a:r>
+              <a:rPr lang="en-US" dirty="0"/>
+              <a:t>    </a:t>
+            </a:r>
+            <a:r>
+              <a:rPr lang="en-US" dirty="0" err="1"/>
+              <a:t>redis.set</a:t>
+            </a:r>
+            <a:r>
+              <a:rPr lang="en-US" dirty="0"/>
+              <a:t>(“</a:t>
+            </a:r>
+            <a:r>
+              <a:rPr lang="en-US" dirty="0" err="1"/>
+              <a:t>current_log_position</a:t>
+            </a:r>
+            <a:r>
+              <a:rPr lang="en-US" dirty="0"/>
+              <a:t>”)</a:t>
+            </a:r>
+          </a:p>
+          <a:p>
+            <a:r>
+              <a:rPr lang="en-US" dirty="0"/>
+              <a:t>    </a:t>
+            </a:r>
+            <a:r>
+              <a:rPr lang="en-US" dirty="0" err="1"/>
+              <a:t>time.sleep</a:t>
+            </a:r>
+            <a:r>
+              <a:rPr lang="en-US" dirty="0"/>
+              <a:t>(60)</a:t>
             </a:r>
           </a:p>
         </p:txBody>
